--- a/mid_poster/mid_poster.pptx
+++ b/mid_poster/mid_poster.pptx
@@ -4,6 +4,9 @@
   <p:sldMasterIdLst>
     <p:sldMasterId id="2147483648" r:id="rId1"/>
   </p:sldMasterIdLst>
+  <p:notesMasterIdLst>
+    <p:notesMasterId r:id="rId3"/>
+  </p:notesMasterIdLst>
   <p:sldIdLst>
     <p:sldId id="257" r:id="rId2"/>
   </p:sldIdLst>
@@ -123,1015 +126,484 @@
 </p:presentation>
 </file>
 
-<file path=ppt/charts/chart1.xml><?xml version="1.0" encoding="utf-8"?>
-<c:chartSpace xmlns:c="http://schemas.openxmlformats.org/drawingml/2006/chart" xmlns:a="http://schemas.openxmlformats.org/drawingml/2006/main" xmlns:r="http://schemas.openxmlformats.org/officeDocument/2006/relationships" xmlns:c16r2="http://schemas.microsoft.com/office/drawing/2015/06/chart">
-  <c:date1904 val="0"/>
-  <c:lang val="ja-JP"/>
-  <c:roundedCorners val="0"/>
-  <mc:AlternateContent xmlns:mc="http://schemas.openxmlformats.org/markup-compatibility/2006">
-    <mc:Choice xmlns:c14="http://schemas.microsoft.com/office/drawing/2007/8/2/chart" Requires="c14">
-      <c14:style val="102"/>
-    </mc:Choice>
-    <mc:Fallback>
-      <c:style val="2"/>
-    </mc:Fallback>
-  </mc:AlternateContent>
-  <c:chart>
-    <c:autoTitleDeleted val="1"/>
-    <c:view3D>
-      <c:rotX val="15"/>
-      <c:rotY val="20"/>
-      <c:depthPercent val="100"/>
-      <c:rAngAx val="1"/>
-    </c:view3D>
-    <c:floor>
-      <c:thickness val="0"/>
-      <c:spPr>
-        <a:noFill/>
-        <a:ln>
+<file path=ppt/notesMasters/notesMaster1.xml><?xml version="1.0" encoding="utf-8"?>
+<p:notesMaster xmlns:a="http://schemas.openxmlformats.org/drawingml/2006/main" xmlns:r="http://schemas.openxmlformats.org/officeDocument/2006/relationships" xmlns:p="http://schemas.openxmlformats.org/presentationml/2006/main">
+  <p:cSld>
+    <p:bg>
+      <p:bgRef idx="1001">
+        <a:schemeClr val="bg1"/>
+      </p:bgRef>
+    </p:bg>
+    <p:spTree>
+      <p:nvGrpSpPr>
+        <p:cNvPr id="1" name=""/>
+        <p:cNvGrpSpPr/>
+        <p:nvPr/>
+      </p:nvGrpSpPr>
+      <p:grpSpPr>
+        <a:xfrm>
+          <a:off x="0" y="0"/>
+          <a:ext cx="0" cy="0"/>
+          <a:chOff x="0" y="0"/>
+          <a:chExt cx="0" cy="0"/>
+        </a:xfrm>
+      </p:grpSpPr>
+      <p:sp>
+        <p:nvSpPr>
+          <p:cNvPr id="2" name="ヘッダー プレースホルダー 1"/>
+          <p:cNvSpPr>
+            <a:spLocks noGrp="1"/>
+          </p:cNvSpPr>
+          <p:nvPr>
+            <p:ph type="hdr" sz="quarter"/>
+          </p:nvPr>
+        </p:nvSpPr>
+        <p:spPr>
+          <a:xfrm>
+            <a:off x="0" y="0"/>
+            <a:ext cx="2971800" cy="458788"/>
+          </a:xfrm>
+          <a:prstGeom prst="rect">
+            <a:avLst/>
+          </a:prstGeom>
+        </p:spPr>
+        <p:txBody>
+          <a:bodyPr vert="horz" lIns="91440" tIns="45720" rIns="91440" bIns="45720" rtlCol="0"/>
+          <a:lstStyle>
+            <a:lvl1pPr algn="l">
+              <a:defRPr sz="1200"/>
+            </a:lvl1pPr>
+          </a:lstStyle>
+          <a:p>
+            <a:endParaRPr kumimoji="1" lang="ja-JP" altLang="en-US"/>
+          </a:p>
+        </p:txBody>
+      </p:sp>
+      <p:sp>
+        <p:nvSpPr>
+          <p:cNvPr id="3" name="日付プレースホルダー 2"/>
+          <p:cNvSpPr>
+            <a:spLocks noGrp="1"/>
+          </p:cNvSpPr>
+          <p:nvPr>
+            <p:ph type="dt" idx="1"/>
+          </p:nvPr>
+        </p:nvSpPr>
+        <p:spPr>
+          <a:xfrm>
+            <a:off x="3884613" y="0"/>
+            <a:ext cx="2971800" cy="458788"/>
+          </a:xfrm>
+          <a:prstGeom prst="rect">
+            <a:avLst/>
+          </a:prstGeom>
+        </p:spPr>
+        <p:txBody>
+          <a:bodyPr vert="horz" lIns="91440" tIns="45720" rIns="91440" bIns="45720" rtlCol="0"/>
+          <a:lstStyle>
+            <a:lvl1pPr algn="r">
+              <a:defRPr sz="1200"/>
+            </a:lvl1pPr>
+          </a:lstStyle>
+          <a:p>
+            <a:fld id="{00A2018F-E2A8-ED4D-A348-3E0EECE98219}" type="datetimeFigureOut">
+              <a:rPr kumimoji="1" lang="ja-JP" altLang="en-US" smtClean="0"/>
+              <a:t>2022/10/7</a:t>
+            </a:fld>
+            <a:endParaRPr kumimoji="1" lang="ja-JP" altLang="en-US"/>
+          </a:p>
+        </p:txBody>
+      </p:sp>
+      <p:sp>
+        <p:nvSpPr>
+          <p:cNvPr id="4" name="スライド イメージ プレースホルダー 3"/>
+          <p:cNvSpPr>
+            <a:spLocks noGrp="1" noRot="1" noChangeAspect="1"/>
+          </p:cNvSpPr>
+          <p:nvPr>
+            <p:ph type="sldImg" idx="2"/>
+          </p:nvPr>
+        </p:nvSpPr>
+        <p:spPr>
+          <a:xfrm>
+            <a:off x="2271713" y="1143000"/>
+            <a:ext cx="2314575" cy="3086100"/>
+          </a:xfrm>
+          <a:prstGeom prst="rect">
+            <a:avLst/>
+          </a:prstGeom>
           <a:noFill/>
-        </a:ln>
-        <a:effectLst/>
-        <a:sp3d/>
-      </c:spPr>
-    </c:floor>
-    <c:sideWall>
-      <c:thickness val="0"/>
-      <c:spPr>
-        <a:noFill/>
-        <a:ln>
-          <a:noFill/>
-        </a:ln>
-        <a:effectLst/>
-        <a:sp3d/>
-      </c:spPr>
-    </c:sideWall>
-    <c:backWall>
-      <c:thickness val="0"/>
-      <c:spPr>
-        <a:noFill/>
-        <a:ln>
-          <a:noFill/>
-        </a:ln>
-        <a:effectLst/>
-        <a:sp3d/>
-      </c:spPr>
-    </c:backWall>
-    <c:plotArea>
-      <c:layout>
-        <c:manualLayout>
-          <c:layoutTarget val="inner"/>
-          <c:xMode val="edge"/>
-          <c:yMode val="edge"/>
-          <c:x val="0.11714375620264807"/>
-          <c:y val="0.1297417899591243"/>
-          <c:w val="0.87363396509573255"/>
-          <c:h val="0.49444908415399053"/>
-        </c:manualLayout>
-      </c:layout>
-      <c:bar3DChart>
-        <c:barDir val="col"/>
-        <c:grouping val="stacked"/>
-        <c:varyColors val="0"/>
-        <c:ser>
-          <c:idx val="0"/>
-          <c:order val="0"/>
-          <c:tx>
-            <c:strRef>
-              <c:f>Sheet1!$B$1</c:f>
-              <c:strCache>
-                <c:ptCount val="1"/>
-                <c:pt idx="0">
-                  <c:v>Data 1</c:v>
-                </c:pt>
-              </c:strCache>
-            </c:strRef>
-          </c:tx>
-          <c:spPr>
+          <a:ln w="12700">
             <a:solidFill>
-              <a:schemeClr val="accent1"/>
+              <a:prstClr val="black"/>
             </a:solidFill>
-            <a:ln>
-              <a:noFill/>
-            </a:ln>
-            <a:effectLst/>
-            <a:sp3d/>
-          </c:spPr>
-          <c:invertIfNegative val="0"/>
-          <c:cat>
-            <c:strRef>
-              <c:f>Sheet1!$A$2:$A$5</c:f>
-              <c:strCache>
-                <c:ptCount val="4"/>
-                <c:pt idx="0">
-                  <c:v>Case 1</c:v>
-                </c:pt>
-                <c:pt idx="1">
-                  <c:v>Case 2</c:v>
-                </c:pt>
-                <c:pt idx="2">
-                  <c:v>Case 3</c:v>
-                </c:pt>
-                <c:pt idx="3">
-                  <c:v>Case 4</c:v>
-                </c:pt>
-              </c:strCache>
-            </c:strRef>
-          </c:cat>
-          <c:val>
-            <c:numRef>
-              <c:f>Sheet1!$B$2:$B$5</c:f>
-              <c:numCache>
-                <c:formatCode>General</c:formatCode>
-                <c:ptCount val="4"/>
-                <c:pt idx="0">
-                  <c:v>4.3</c:v>
-                </c:pt>
-                <c:pt idx="1">
-                  <c:v>2.5</c:v>
-                </c:pt>
-                <c:pt idx="2">
-                  <c:v>3.5</c:v>
-                </c:pt>
-                <c:pt idx="3">
-                  <c:v>4.5</c:v>
-                </c:pt>
-              </c:numCache>
-            </c:numRef>
-          </c:val>
-          <c:extLst>
-            <c:ext xmlns:c16="http://schemas.microsoft.com/office/drawing/2014/chart" uri="{C3380CC4-5D6E-409C-BE32-E72D297353CC}">
-              <c16:uniqueId val="{00000000-D94F-45D8-8A98-8609FF52EFF8}"/>
-            </c:ext>
-          </c:extLst>
-        </c:ser>
-        <c:ser>
-          <c:idx val="1"/>
-          <c:order val="1"/>
-          <c:tx>
-            <c:strRef>
-              <c:f>Sheet1!$C$1</c:f>
-              <c:strCache>
-                <c:ptCount val="1"/>
-                <c:pt idx="0">
-                  <c:v>Data 2</c:v>
-                </c:pt>
-              </c:strCache>
-            </c:strRef>
-          </c:tx>
-          <c:spPr>
-            <a:solidFill>
-              <a:schemeClr val="accent2"/>
-            </a:solidFill>
-            <a:ln>
-              <a:noFill/>
-            </a:ln>
-            <a:effectLst/>
-            <a:sp3d/>
-          </c:spPr>
-          <c:invertIfNegative val="0"/>
-          <c:cat>
-            <c:strRef>
-              <c:f>Sheet1!$A$2:$A$5</c:f>
-              <c:strCache>
-                <c:ptCount val="4"/>
-                <c:pt idx="0">
-                  <c:v>Case 1</c:v>
-                </c:pt>
-                <c:pt idx="1">
-                  <c:v>Case 2</c:v>
-                </c:pt>
-                <c:pt idx="2">
-                  <c:v>Case 3</c:v>
-                </c:pt>
-                <c:pt idx="3">
-                  <c:v>Case 4</c:v>
-                </c:pt>
-              </c:strCache>
-            </c:strRef>
-          </c:cat>
-          <c:val>
-            <c:numRef>
-              <c:f>Sheet1!$C$2:$C$5</c:f>
-              <c:numCache>
-                <c:formatCode>General</c:formatCode>
-                <c:ptCount val="4"/>
-                <c:pt idx="0">
-                  <c:v>2.4</c:v>
-                </c:pt>
-                <c:pt idx="1">
-                  <c:v>4.4000000000000004</c:v>
-                </c:pt>
-                <c:pt idx="2">
-                  <c:v>1.8</c:v>
-                </c:pt>
-                <c:pt idx="3">
-                  <c:v>2.8</c:v>
-                </c:pt>
-              </c:numCache>
-            </c:numRef>
-          </c:val>
-          <c:extLst>
-            <c:ext xmlns:c16="http://schemas.microsoft.com/office/drawing/2014/chart" uri="{C3380CC4-5D6E-409C-BE32-E72D297353CC}">
-              <c16:uniqueId val="{00000001-D94F-45D8-8A98-8609FF52EFF8}"/>
-            </c:ext>
-          </c:extLst>
-        </c:ser>
-        <c:ser>
-          <c:idx val="2"/>
-          <c:order val="2"/>
-          <c:tx>
-            <c:strRef>
-              <c:f>Sheet1!$D$1</c:f>
-              <c:strCache>
-                <c:ptCount val="1"/>
-                <c:pt idx="0">
-                  <c:v>Data 3</c:v>
-                </c:pt>
-              </c:strCache>
-            </c:strRef>
-          </c:tx>
-          <c:spPr>
-            <a:solidFill>
-              <a:schemeClr val="accent3"/>
-            </a:solidFill>
-            <a:ln>
-              <a:noFill/>
-            </a:ln>
-            <a:effectLst/>
-            <a:sp3d/>
-          </c:spPr>
-          <c:invertIfNegative val="0"/>
-          <c:cat>
-            <c:strRef>
-              <c:f>Sheet1!$A$2:$A$5</c:f>
-              <c:strCache>
-                <c:ptCount val="4"/>
-                <c:pt idx="0">
-                  <c:v>Case 1</c:v>
-                </c:pt>
-                <c:pt idx="1">
-                  <c:v>Case 2</c:v>
-                </c:pt>
-                <c:pt idx="2">
-                  <c:v>Case 3</c:v>
-                </c:pt>
-                <c:pt idx="3">
-                  <c:v>Case 4</c:v>
-                </c:pt>
-              </c:strCache>
-            </c:strRef>
-          </c:cat>
-          <c:val>
-            <c:numRef>
-              <c:f>Sheet1!$D$2:$D$5</c:f>
-              <c:numCache>
-                <c:formatCode>General</c:formatCode>
-                <c:ptCount val="4"/>
-                <c:pt idx="0">
-                  <c:v>3</c:v>
-                </c:pt>
-                <c:pt idx="1">
-                  <c:v>2</c:v>
-                </c:pt>
-                <c:pt idx="2">
-                  <c:v>3</c:v>
-                </c:pt>
-                <c:pt idx="3">
-                  <c:v>5</c:v>
-                </c:pt>
-              </c:numCache>
-            </c:numRef>
-          </c:val>
-          <c:extLst>
-            <c:ext xmlns:c16="http://schemas.microsoft.com/office/drawing/2014/chart" uri="{C3380CC4-5D6E-409C-BE32-E72D297353CC}">
-              <c16:uniqueId val="{00000002-D94F-45D8-8A98-8609FF52EFF8}"/>
-            </c:ext>
-          </c:extLst>
-        </c:ser>
-        <c:dLbls>
-          <c:showLegendKey val="0"/>
-          <c:showVal val="0"/>
-          <c:showCatName val="0"/>
-          <c:showSerName val="0"/>
-          <c:showPercent val="0"/>
-          <c:showBubbleSize val="0"/>
-        </c:dLbls>
-        <c:gapWidth val="150"/>
-        <c:shape val="box"/>
-        <c:axId val="2036978496"/>
-        <c:axId val="2036978912"/>
-        <c:axId val="0"/>
-      </c:bar3DChart>
-      <c:catAx>
-        <c:axId val="2036978496"/>
-        <c:scaling>
-          <c:orientation val="minMax"/>
-        </c:scaling>
-        <c:delete val="0"/>
-        <c:axPos val="b"/>
-        <c:numFmt formatCode="General" sourceLinked="1"/>
-        <c:majorTickMark val="none"/>
-        <c:minorTickMark val="none"/>
-        <c:tickLblPos val="nextTo"/>
-        <c:spPr>
-          <a:noFill/>
-          <a:ln>
-            <a:noFill/>
           </a:ln>
-          <a:effectLst/>
-        </c:spPr>
-        <c:txPr>
-          <a:bodyPr rot="-60000000" spcFirstLastPara="1" vertOverflow="ellipsis" vert="horz" wrap="square" anchor="ctr" anchorCtr="1"/>
+        </p:spPr>
+        <p:txBody>
+          <a:bodyPr vert="horz" lIns="91440" tIns="45720" rIns="91440" bIns="45720" rtlCol="0" anchor="ctr"/>
           <a:lstStyle/>
           <a:p>
-            <a:pPr>
-              <a:defRPr sz="1197" b="0" i="0" u="none" strike="noStrike" kern="1200" baseline="0">
-                <a:solidFill>
-                  <a:schemeClr val="tx1">
-                    <a:lumMod val="65000"/>
-                    <a:lumOff val="35000"/>
-                  </a:schemeClr>
-                </a:solidFill>
-                <a:latin typeface="Arial" panose="020B0604020202020204" pitchFamily="34" charset="0"/>
-                <a:ea typeface="+mn-ea"/>
-                <a:cs typeface="Arial" panose="020B0604020202020204" pitchFamily="34" charset="0"/>
-              </a:defRPr>
-            </a:pPr>
-            <a:endParaRPr lang="ja-JP"/>
-          </a:p>
-        </c:txPr>
-        <c:crossAx val="2036978912"/>
-        <c:crosses val="autoZero"/>
-        <c:auto val="1"/>
-        <c:lblAlgn val="ctr"/>
-        <c:lblOffset val="100"/>
-        <c:noMultiLvlLbl val="0"/>
-      </c:catAx>
-      <c:valAx>
-        <c:axId val="2036978912"/>
-        <c:scaling>
-          <c:orientation val="minMax"/>
-        </c:scaling>
-        <c:delete val="0"/>
-        <c:axPos val="l"/>
-        <c:majorGridlines>
-          <c:spPr>
-            <a:ln w="9525" cap="flat" cmpd="sng" algn="ctr">
-              <a:solidFill>
-                <a:schemeClr val="tx1">
-                  <a:lumMod val="15000"/>
-                  <a:lumOff val="85000"/>
-                </a:schemeClr>
-              </a:solidFill>
-              <a:round/>
-            </a:ln>
-            <a:effectLst/>
-          </c:spPr>
-        </c:majorGridlines>
-        <c:numFmt formatCode="General" sourceLinked="1"/>
-        <c:majorTickMark val="none"/>
-        <c:minorTickMark val="none"/>
-        <c:tickLblPos val="nextTo"/>
-        <c:spPr>
-          <a:noFill/>
-          <a:ln>
-            <a:noFill/>
-          </a:ln>
-          <a:effectLst/>
-        </c:spPr>
-        <c:txPr>
-          <a:bodyPr rot="-60000000" spcFirstLastPara="1" vertOverflow="ellipsis" vert="horz" wrap="square" anchor="ctr" anchorCtr="1"/>
+            <a:endParaRPr lang="ja-JP" altLang="en-US"/>
+          </a:p>
+        </p:txBody>
+      </p:sp>
+      <p:sp>
+        <p:nvSpPr>
+          <p:cNvPr id="5" name="ノート プレースホルダー 4"/>
+          <p:cNvSpPr>
+            <a:spLocks noGrp="1"/>
+          </p:cNvSpPr>
+          <p:nvPr>
+            <p:ph type="body" sz="quarter" idx="3"/>
+          </p:nvPr>
+        </p:nvSpPr>
+        <p:spPr>
+          <a:xfrm>
+            <a:off x="685800" y="4400550"/>
+            <a:ext cx="5486400" cy="3600450"/>
+          </a:xfrm>
+          <a:prstGeom prst="rect">
+            <a:avLst/>
+          </a:prstGeom>
+        </p:spPr>
+        <p:txBody>
+          <a:bodyPr vert="horz" lIns="91440" tIns="45720" rIns="91440" bIns="45720" rtlCol="0"/>
           <a:lstStyle/>
           <a:p>
-            <a:pPr>
-              <a:defRPr sz="1197" b="0" i="0" u="none" strike="noStrike" kern="1200" baseline="0">
-                <a:solidFill>
-                  <a:schemeClr val="tx1">
-                    <a:lumMod val="65000"/>
-                    <a:lumOff val="35000"/>
-                  </a:schemeClr>
-                </a:solidFill>
-                <a:latin typeface="Arial" panose="020B0604020202020204" pitchFamily="34" charset="0"/>
-                <a:ea typeface="+mn-ea"/>
-                <a:cs typeface="Arial" panose="020B0604020202020204" pitchFamily="34" charset="0"/>
-              </a:defRPr>
-            </a:pPr>
-            <a:endParaRPr lang="ja-JP"/>
-          </a:p>
-        </c:txPr>
-        <c:crossAx val="2036978496"/>
-        <c:crosses val="autoZero"/>
-        <c:crossBetween val="between"/>
-      </c:valAx>
-      <c:spPr>
-        <a:noFill/>
-        <a:ln>
-          <a:noFill/>
-        </a:ln>
-        <a:effectLst/>
-      </c:spPr>
-    </c:plotArea>
-    <c:legend>
-      <c:legendPos val="t"/>
-      <c:layout>
-        <c:manualLayout>
-          <c:xMode val="edge"/>
-          <c:yMode val="edge"/>
-          <c:x val="0.29534020768281172"/>
-          <c:y val="5.0449326729900462E-2"/>
-          <c:w val="0.4953939437949314"/>
-          <c:h val="0.13621174004192871"/>
-        </c:manualLayout>
-      </c:layout>
-      <c:overlay val="0"/>
-      <c:spPr>
-        <a:noFill/>
-        <a:ln>
-          <a:noFill/>
-        </a:ln>
-        <a:effectLst/>
-      </c:spPr>
-      <c:txPr>
-        <a:bodyPr rot="0" spcFirstLastPara="1" vertOverflow="ellipsis" vert="horz" wrap="square" anchor="ctr" anchorCtr="1"/>
-        <a:lstStyle/>
-        <a:p>
-          <a:pPr>
-            <a:defRPr sz="1197" b="0" i="0" u="none" strike="noStrike" kern="1200" baseline="0">
-              <a:solidFill>
-                <a:schemeClr val="tx1">
-                  <a:lumMod val="65000"/>
-                  <a:lumOff val="35000"/>
-                </a:schemeClr>
-              </a:solidFill>
-              <a:latin typeface="+mn-lt"/>
-              <a:ea typeface="+mn-ea"/>
-              <a:cs typeface="+mn-cs"/>
-            </a:defRPr>
-          </a:pPr>
-          <a:endParaRPr lang="ja-JP"/>
-        </a:p>
-      </c:txPr>
-    </c:legend>
-    <c:plotVisOnly val="1"/>
-    <c:dispBlanksAs val="gap"/>
-    <c:showDLblsOverMax val="0"/>
-  </c:chart>
-  <c:spPr>
-    <a:noFill/>
-    <a:ln>
-      <a:noFill/>
-    </a:ln>
-    <a:effectLst/>
-  </c:spPr>
-  <c:txPr>
-    <a:bodyPr/>
-    <a:lstStyle/>
-    <a:p>
-      <a:pPr>
-        <a:defRPr/>
-      </a:pPr>
-      <a:endParaRPr lang="ja-JP"/>
-    </a:p>
-  </c:txPr>
-  <c:externalData r:id="rId3">
-    <c:autoUpdate val="0"/>
-  </c:externalData>
-</c:chartSpace>
+            <a:pPr lvl="0"/>
+            <a:r>
+              <a:rPr kumimoji="1" lang="ja-JP" altLang="en-US"/>
+              <a:t>マスター テキストの書式設定</a:t>
+            </a:r>
+          </a:p>
+          <a:p>
+            <a:pPr lvl="1"/>
+            <a:r>
+              <a:rPr kumimoji="1" lang="ja-JP" altLang="en-US"/>
+              <a:t>第 </a:t>
+            </a:r>
+            <a:r>
+              <a:rPr kumimoji="1" lang="en-US" altLang="ja-JP"/>
+              <a:t>2 </a:t>
+            </a:r>
+            <a:r>
+              <a:rPr kumimoji="1" lang="ja-JP" altLang="en-US"/>
+              <a:t>レベル</a:t>
+            </a:r>
+          </a:p>
+          <a:p>
+            <a:pPr lvl="2"/>
+            <a:r>
+              <a:rPr kumimoji="1" lang="ja-JP" altLang="en-US"/>
+              <a:t>第 </a:t>
+            </a:r>
+            <a:r>
+              <a:rPr kumimoji="1" lang="en-US" altLang="ja-JP"/>
+              <a:t>3 </a:t>
+            </a:r>
+            <a:r>
+              <a:rPr kumimoji="1" lang="ja-JP" altLang="en-US"/>
+              <a:t>レベル</a:t>
+            </a:r>
+          </a:p>
+          <a:p>
+            <a:pPr lvl="3"/>
+            <a:r>
+              <a:rPr kumimoji="1" lang="ja-JP" altLang="en-US"/>
+              <a:t>第 </a:t>
+            </a:r>
+            <a:r>
+              <a:rPr kumimoji="1" lang="en-US" altLang="ja-JP"/>
+              <a:t>4 </a:t>
+            </a:r>
+            <a:r>
+              <a:rPr kumimoji="1" lang="ja-JP" altLang="en-US"/>
+              <a:t>レベル</a:t>
+            </a:r>
+          </a:p>
+          <a:p>
+            <a:pPr lvl="4"/>
+            <a:r>
+              <a:rPr kumimoji="1" lang="ja-JP" altLang="en-US"/>
+              <a:t>第 </a:t>
+            </a:r>
+            <a:r>
+              <a:rPr kumimoji="1" lang="en-US" altLang="ja-JP"/>
+              <a:t>5 </a:t>
+            </a:r>
+            <a:r>
+              <a:rPr kumimoji="1" lang="ja-JP" altLang="en-US"/>
+              <a:t>レベル</a:t>
+            </a:r>
+          </a:p>
+        </p:txBody>
+      </p:sp>
+      <p:sp>
+        <p:nvSpPr>
+          <p:cNvPr id="6" name="フッター プレースホルダー 5"/>
+          <p:cNvSpPr>
+            <a:spLocks noGrp="1"/>
+          </p:cNvSpPr>
+          <p:nvPr>
+            <p:ph type="ftr" sz="quarter" idx="4"/>
+          </p:nvPr>
+        </p:nvSpPr>
+        <p:spPr>
+          <a:xfrm>
+            <a:off x="0" y="8685213"/>
+            <a:ext cx="2971800" cy="458787"/>
+          </a:xfrm>
+          <a:prstGeom prst="rect">
+            <a:avLst/>
+          </a:prstGeom>
+        </p:spPr>
+        <p:txBody>
+          <a:bodyPr vert="horz" lIns="91440" tIns="45720" rIns="91440" bIns="45720" rtlCol="0" anchor="b"/>
+          <a:lstStyle>
+            <a:lvl1pPr algn="l">
+              <a:defRPr sz="1200"/>
+            </a:lvl1pPr>
+          </a:lstStyle>
+          <a:p>
+            <a:endParaRPr kumimoji="1" lang="ja-JP" altLang="en-US"/>
+          </a:p>
+        </p:txBody>
+      </p:sp>
+      <p:sp>
+        <p:nvSpPr>
+          <p:cNvPr id="7" name="スライド番号プレースホルダー 6"/>
+          <p:cNvSpPr>
+            <a:spLocks noGrp="1"/>
+          </p:cNvSpPr>
+          <p:nvPr>
+            <p:ph type="sldNum" sz="quarter" idx="5"/>
+          </p:nvPr>
+        </p:nvSpPr>
+        <p:spPr>
+          <a:xfrm>
+            <a:off x="3884613" y="8685213"/>
+            <a:ext cx="2971800" cy="458787"/>
+          </a:xfrm>
+          <a:prstGeom prst="rect">
+            <a:avLst/>
+          </a:prstGeom>
+        </p:spPr>
+        <p:txBody>
+          <a:bodyPr vert="horz" lIns="91440" tIns="45720" rIns="91440" bIns="45720" rtlCol="0" anchor="b"/>
+          <a:lstStyle>
+            <a:lvl1pPr algn="r">
+              <a:defRPr sz="1200"/>
+            </a:lvl1pPr>
+          </a:lstStyle>
+          <a:p>
+            <a:fld id="{0E80E27F-F5B4-B149-84AA-F7ABB91A876C}" type="slidenum">
+              <a:rPr kumimoji="1" lang="ja-JP" altLang="en-US" smtClean="0"/>
+              <a:t>‹#›</a:t>
+            </a:fld>
+            <a:endParaRPr kumimoji="1" lang="ja-JP" altLang="en-US"/>
+          </a:p>
+        </p:txBody>
+      </p:sp>
+    </p:spTree>
+    <p:extLst>
+      <p:ext uri="{BB962C8B-B14F-4D97-AF65-F5344CB8AC3E}">
+        <p14:creationId xmlns:p14="http://schemas.microsoft.com/office/powerpoint/2010/main" val="933635679"/>
+      </p:ext>
+    </p:extLst>
+  </p:cSld>
+  <p:clrMap bg1="lt1" tx1="dk1" bg2="lt2" tx2="dk2" accent1="accent1" accent2="accent2" accent3="accent3" accent4="accent4" accent5="accent5" accent6="accent6" hlink="hlink" folHlink="folHlink"/>
+  <p:notesStyle>
+    <a:lvl1pPr marL="0" algn="l" defTabSz="914400" rtl="0" eaLnBrk="1" latinLnBrk="0" hangingPunct="1">
+      <a:defRPr kumimoji="1" sz="1200" kern="1200">
+        <a:solidFill>
+          <a:schemeClr val="tx1"/>
+        </a:solidFill>
+        <a:latin typeface="+mn-lt"/>
+        <a:ea typeface="+mn-ea"/>
+        <a:cs typeface="+mn-cs"/>
+      </a:defRPr>
+    </a:lvl1pPr>
+    <a:lvl2pPr marL="457200" algn="l" defTabSz="914400" rtl="0" eaLnBrk="1" latinLnBrk="0" hangingPunct="1">
+      <a:defRPr kumimoji="1" sz="1200" kern="1200">
+        <a:solidFill>
+          <a:schemeClr val="tx1"/>
+        </a:solidFill>
+        <a:latin typeface="+mn-lt"/>
+        <a:ea typeface="+mn-ea"/>
+        <a:cs typeface="+mn-cs"/>
+      </a:defRPr>
+    </a:lvl2pPr>
+    <a:lvl3pPr marL="914400" algn="l" defTabSz="914400" rtl="0" eaLnBrk="1" latinLnBrk="0" hangingPunct="1">
+      <a:defRPr kumimoji="1" sz="1200" kern="1200">
+        <a:solidFill>
+          <a:schemeClr val="tx1"/>
+        </a:solidFill>
+        <a:latin typeface="+mn-lt"/>
+        <a:ea typeface="+mn-ea"/>
+        <a:cs typeface="+mn-cs"/>
+      </a:defRPr>
+    </a:lvl3pPr>
+    <a:lvl4pPr marL="1371600" algn="l" defTabSz="914400" rtl="0" eaLnBrk="1" latinLnBrk="0" hangingPunct="1">
+      <a:defRPr kumimoji="1" sz="1200" kern="1200">
+        <a:solidFill>
+          <a:schemeClr val="tx1"/>
+        </a:solidFill>
+        <a:latin typeface="+mn-lt"/>
+        <a:ea typeface="+mn-ea"/>
+        <a:cs typeface="+mn-cs"/>
+      </a:defRPr>
+    </a:lvl4pPr>
+    <a:lvl5pPr marL="1828800" algn="l" defTabSz="914400" rtl="0" eaLnBrk="1" latinLnBrk="0" hangingPunct="1">
+      <a:defRPr kumimoji="1" sz="1200" kern="1200">
+        <a:solidFill>
+          <a:schemeClr val="tx1"/>
+        </a:solidFill>
+        <a:latin typeface="+mn-lt"/>
+        <a:ea typeface="+mn-ea"/>
+        <a:cs typeface="+mn-cs"/>
+      </a:defRPr>
+    </a:lvl5pPr>
+    <a:lvl6pPr marL="2286000" algn="l" defTabSz="914400" rtl="0" eaLnBrk="1" latinLnBrk="0" hangingPunct="1">
+      <a:defRPr kumimoji="1" sz="1200" kern="1200">
+        <a:solidFill>
+          <a:schemeClr val="tx1"/>
+        </a:solidFill>
+        <a:latin typeface="+mn-lt"/>
+        <a:ea typeface="+mn-ea"/>
+        <a:cs typeface="+mn-cs"/>
+      </a:defRPr>
+    </a:lvl6pPr>
+    <a:lvl7pPr marL="2743200" algn="l" defTabSz="914400" rtl="0" eaLnBrk="1" latinLnBrk="0" hangingPunct="1">
+      <a:defRPr kumimoji="1" sz="1200" kern="1200">
+        <a:solidFill>
+          <a:schemeClr val="tx1"/>
+        </a:solidFill>
+        <a:latin typeface="+mn-lt"/>
+        <a:ea typeface="+mn-ea"/>
+        <a:cs typeface="+mn-cs"/>
+      </a:defRPr>
+    </a:lvl7pPr>
+    <a:lvl8pPr marL="3200400" algn="l" defTabSz="914400" rtl="0" eaLnBrk="1" latinLnBrk="0" hangingPunct="1">
+      <a:defRPr kumimoji="1" sz="1200" kern="1200">
+        <a:solidFill>
+          <a:schemeClr val="tx1"/>
+        </a:solidFill>
+        <a:latin typeface="+mn-lt"/>
+        <a:ea typeface="+mn-ea"/>
+        <a:cs typeface="+mn-cs"/>
+      </a:defRPr>
+    </a:lvl8pPr>
+    <a:lvl9pPr marL="3657600" algn="l" defTabSz="914400" rtl="0" eaLnBrk="1" latinLnBrk="0" hangingPunct="1">
+      <a:defRPr kumimoji="1" sz="1200" kern="1200">
+        <a:solidFill>
+          <a:schemeClr val="tx1"/>
+        </a:solidFill>
+        <a:latin typeface="+mn-lt"/>
+        <a:ea typeface="+mn-ea"/>
+        <a:cs typeface="+mn-cs"/>
+      </a:defRPr>
+    </a:lvl9pPr>
+  </p:notesStyle>
+</p:notesMaster>
 </file>
 
-<file path=ppt/charts/colors1.xml><?xml version="1.0" encoding="utf-8"?>
-<cs:colorStyle xmlns:cs="http://schemas.microsoft.com/office/drawing/2012/chartStyle" xmlns:a="http://schemas.openxmlformats.org/drawingml/2006/main" meth="cycle" id="10">
-  <a:schemeClr val="accent1"/>
-  <a:schemeClr val="accent2"/>
-  <a:schemeClr val="accent3"/>
-  <a:schemeClr val="accent4"/>
-  <a:schemeClr val="accent5"/>
-  <a:schemeClr val="accent6"/>
-  <cs:variation/>
-  <cs:variation>
-    <a:lumMod val="60000"/>
-  </cs:variation>
-  <cs:variation>
-    <a:lumMod val="80000"/>
-    <a:lumOff val="20000"/>
-  </cs:variation>
-  <cs:variation>
-    <a:lumMod val="80000"/>
-  </cs:variation>
-  <cs:variation>
-    <a:lumMod val="60000"/>
-    <a:lumOff val="40000"/>
-  </cs:variation>
-  <cs:variation>
-    <a:lumMod val="50000"/>
-  </cs:variation>
-  <cs:variation>
-    <a:lumMod val="70000"/>
-    <a:lumOff val="30000"/>
-  </cs:variation>
-  <cs:variation>
-    <a:lumMod val="70000"/>
-  </cs:variation>
-  <cs:variation>
-    <a:lumMod val="50000"/>
-    <a:lumOff val="50000"/>
-  </cs:variation>
-</cs:colorStyle>
-</file>
-
-<file path=ppt/charts/style1.xml><?xml version="1.0" encoding="utf-8"?>
-<cs:chartStyle xmlns:cs="http://schemas.microsoft.com/office/drawing/2012/chartStyle" xmlns:a="http://schemas.openxmlformats.org/drawingml/2006/main" id="286">
-  <cs:axisTitle>
-    <cs:lnRef idx="0"/>
-    <cs:fillRef idx="0"/>
-    <cs:effectRef idx="0"/>
-    <cs:fontRef idx="minor">
-      <a:schemeClr val="tx1">
-        <a:lumMod val="65000"/>
-        <a:lumOff val="35000"/>
-      </a:schemeClr>
-    </cs:fontRef>
-    <cs:defRPr sz="1330" kern="1200"/>
-  </cs:axisTitle>
-  <cs:categoryAxis>
-    <cs:lnRef idx="0"/>
-    <cs:fillRef idx="0"/>
-    <cs:effectRef idx="0"/>
-    <cs:fontRef idx="minor">
-      <a:schemeClr val="tx1">
-        <a:lumMod val="65000"/>
-        <a:lumOff val="35000"/>
-      </a:schemeClr>
-    </cs:fontRef>
-    <cs:defRPr sz="1197" kern="1200"/>
-  </cs:categoryAxis>
-  <cs:chartArea mods="allowNoFillOverride allowNoLineOverride">
-    <cs:lnRef idx="0"/>
-    <cs:fillRef idx="0"/>
-    <cs:effectRef idx="0"/>
-    <cs:fontRef idx="minor">
-      <a:schemeClr val="tx1"/>
-    </cs:fontRef>
-    <cs:spPr>
-      <a:solidFill>
-        <a:schemeClr val="bg1"/>
-      </a:solidFill>
-      <a:ln w="9525" cap="flat" cmpd="sng" algn="ctr">
-        <a:solidFill>
-          <a:schemeClr val="tx1">
-            <a:lumMod val="15000"/>
-            <a:lumOff val="85000"/>
-          </a:schemeClr>
-        </a:solidFill>
-        <a:round/>
-      </a:ln>
-    </cs:spPr>
-    <cs:defRPr sz="1330" kern="1200"/>
-  </cs:chartArea>
-  <cs:dataLabel>
-    <cs:lnRef idx="0"/>
-    <cs:fillRef idx="0"/>
-    <cs:effectRef idx="0"/>
-    <cs:fontRef idx="minor">
-      <a:schemeClr val="tx1">
-        <a:lumMod val="75000"/>
-        <a:lumOff val="25000"/>
-      </a:schemeClr>
-    </cs:fontRef>
-    <cs:defRPr sz="1197" kern="1200"/>
-  </cs:dataLabel>
-  <cs:dataLabelCallout>
-    <cs:lnRef idx="0"/>
-    <cs:fillRef idx="0"/>
-    <cs:effectRef idx="0"/>
-    <cs:fontRef idx="minor">
-      <a:schemeClr val="dk1">
-        <a:lumMod val="65000"/>
-        <a:lumOff val="35000"/>
-      </a:schemeClr>
-    </cs:fontRef>
-    <cs:spPr>
-      <a:solidFill>
-        <a:schemeClr val="lt1"/>
-      </a:solidFill>
-      <a:ln>
-        <a:solidFill>
-          <a:schemeClr val="dk1">
-            <a:lumMod val="25000"/>
-            <a:lumOff val="75000"/>
-          </a:schemeClr>
-        </a:solidFill>
-      </a:ln>
-    </cs:spPr>
-    <cs:defRPr sz="1197" kern="1200"/>
-    <cs:bodyPr rot="0" spcFirstLastPara="1" vertOverflow="clip" horzOverflow="clip" vert="horz" wrap="square" lIns="36576" tIns="18288" rIns="36576" bIns="18288" anchor="ctr" anchorCtr="1">
-      <a:spAutoFit/>
-    </cs:bodyPr>
-  </cs:dataLabelCallout>
-  <cs:dataPoint>
-    <cs:lnRef idx="0"/>
-    <cs:fillRef idx="1">
-      <cs:styleClr val="auto"/>
-    </cs:fillRef>
-    <cs:effectRef idx="0"/>
-    <cs:fontRef idx="minor">
-      <a:schemeClr val="tx1"/>
-    </cs:fontRef>
-  </cs:dataPoint>
-  <cs:dataPoint3D>
-    <cs:lnRef idx="0"/>
-    <cs:fillRef idx="1">
-      <cs:styleClr val="auto"/>
-    </cs:fillRef>
-    <cs:effectRef idx="0"/>
-    <cs:fontRef idx="minor">
-      <a:schemeClr val="tx1"/>
-    </cs:fontRef>
-  </cs:dataPoint3D>
-  <cs:dataPointLine>
-    <cs:lnRef idx="0">
-      <cs:styleClr val="auto"/>
-    </cs:lnRef>
-    <cs:fillRef idx="1"/>
-    <cs:effectRef idx="0"/>
-    <cs:fontRef idx="minor">
-      <a:schemeClr val="tx1"/>
-    </cs:fontRef>
-    <cs:spPr>
-      <a:ln w="28575" cap="rnd">
-        <a:solidFill>
-          <a:schemeClr val="phClr"/>
-        </a:solidFill>
-        <a:round/>
-      </a:ln>
-    </cs:spPr>
-  </cs:dataPointLine>
-  <cs:dataPointMarker>
-    <cs:lnRef idx="0">
-      <cs:styleClr val="auto"/>
-    </cs:lnRef>
-    <cs:fillRef idx="1">
-      <cs:styleClr val="auto"/>
-    </cs:fillRef>
-    <cs:effectRef idx="0"/>
-    <cs:fontRef idx="minor">
-      <a:schemeClr val="tx1"/>
-    </cs:fontRef>
-    <cs:spPr>
-      <a:ln w="9525">
-        <a:solidFill>
-          <a:schemeClr val="phClr"/>
-        </a:solidFill>
-      </a:ln>
-    </cs:spPr>
-  </cs:dataPointMarker>
-  <cs:dataPointMarkerLayout symbol="circle" size="5"/>
-  <cs:dataPointWireframe>
-    <cs:lnRef idx="0">
-      <cs:styleClr val="auto"/>
-    </cs:lnRef>
-    <cs:fillRef idx="1"/>
-    <cs:effectRef idx="0"/>
-    <cs:fontRef idx="minor">
-      <a:schemeClr val="tx1"/>
-    </cs:fontRef>
-    <cs:spPr>
-      <a:ln w="9525" cap="rnd">
-        <a:solidFill>
-          <a:schemeClr val="phClr"/>
-        </a:solidFill>
-        <a:round/>
-      </a:ln>
-    </cs:spPr>
-  </cs:dataPointWireframe>
-  <cs:dataTable>
-    <cs:lnRef idx="0"/>
-    <cs:fillRef idx="0"/>
-    <cs:effectRef idx="0"/>
-    <cs:fontRef idx="minor">
-      <a:schemeClr val="tx1">
-        <a:lumMod val="65000"/>
-        <a:lumOff val="35000"/>
-      </a:schemeClr>
-    </cs:fontRef>
-    <cs:spPr>
-      <a:noFill/>
-      <a:ln w="9525" cap="flat" cmpd="sng" algn="ctr">
-        <a:solidFill>
-          <a:schemeClr val="tx1">
-            <a:lumMod val="15000"/>
-            <a:lumOff val="85000"/>
-          </a:schemeClr>
-        </a:solidFill>
-        <a:round/>
-      </a:ln>
-    </cs:spPr>
-    <cs:defRPr sz="1197" kern="1200"/>
-  </cs:dataTable>
-  <cs:downBar>
-    <cs:lnRef idx="0"/>
-    <cs:fillRef idx="0"/>
-    <cs:effectRef idx="0"/>
-    <cs:fontRef idx="minor">
-      <a:schemeClr val="tx1"/>
-    </cs:fontRef>
-    <cs:spPr>
-      <a:solidFill>
-        <a:schemeClr val="dk1">
-          <a:lumMod val="75000"/>
-          <a:lumOff val="25000"/>
-        </a:schemeClr>
-      </a:solidFill>
-      <a:ln w="9525" cap="flat" cmpd="sng" algn="ctr">
-        <a:solidFill>
-          <a:schemeClr val="tx1">
-            <a:lumMod val="65000"/>
-            <a:lumOff val="35000"/>
-          </a:schemeClr>
-        </a:solidFill>
-        <a:round/>
-      </a:ln>
-    </cs:spPr>
-  </cs:downBar>
-  <cs:dropLine>
-    <cs:lnRef idx="0"/>
-    <cs:fillRef idx="0"/>
-    <cs:effectRef idx="0"/>
-    <cs:fontRef idx="minor">
-      <a:schemeClr val="tx1"/>
-    </cs:fontRef>
-    <cs:spPr>
-      <a:ln w="9525" cap="flat" cmpd="sng" algn="ctr">
-        <a:solidFill>
-          <a:schemeClr val="tx1">
-            <a:lumMod val="35000"/>
-            <a:lumOff val="65000"/>
-          </a:schemeClr>
-        </a:solidFill>
-        <a:round/>
-      </a:ln>
-    </cs:spPr>
-  </cs:dropLine>
-  <cs:errorBar>
-    <cs:lnRef idx="0"/>
-    <cs:fillRef idx="0"/>
-    <cs:effectRef idx="0"/>
-    <cs:fontRef idx="minor">
-      <a:schemeClr val="tx1"/>
-    </cs:fontRef>
-    <cs:spPr>
-      <a:ln w="9525" cap="flat" cmpd="sng" algn="ctr">
-        <a:solidFill>
-          <a:schemeClr val="tx1">
-            <a:lumMod val="65000"/>
-            <a:lumOff val="35000"/>
-          </a:schemeClr>
-        </a:solidFill>
-        <a:round/>
-      </a:ln>
-    </cs:spPr>
-  </cs:errorBar>
-  <cs:floor>
-    <cs:lnRef idx="0"/>
-    <cs:fillRef idx="0"/>
-    <cs:effectRef idx="0"/>
-    <cs:fontRef idx="minor">
-      <a:schemeClr val="tx1"/>
-    </cs:fontRef>
-    <cs:spPr>
-      <a:noFill/>
-      <a:ln>
-        <a:noFill/>
-      </a:ln>
-    </cs:spPr>
-  </cs:floor>
-  <cs:gridlineMajor>
-    <cs:lnRef idx="0"/>
-    <cs:fillRef idx="0"/>
-    <cs:effectRef idx="0"/>
-    <cs:fontRef idx="minor">
-      <a:schemeClr val="tx1"/>
-    </cs:fontRef>
-    <cs:spPr>
-      <a:ln w="9525" cap="flat" cmpd="sng" algn="ctr">
-        <a:solidFill>
-          <a:schemeClr val="tx1">
-            <a:lumMod val="15000"/>
-            <a:lumOff val="85000"/>
-          </a:schemeClr>
-        </a:solidFill>
-        <a:round/>
-      </a:ln>
-    </cs:spPr>
-  </cs:gridlineMajor>
-  <cs:gridlineMinor>
-    <cs:lnRef idx="0"/>
-    <cs:fillRef idx="0"/>
-    <cs:effectRef idx="0"/>
-    <cs:fontRef idx="minor">
-      <a:schemeClr val="tx1"/>
-    </cs:fontRef>
-    <cs:spPr>
-      <a:ln w="9525" cap="flat" cmpd="sng" algn="ctr">
-        <a:solidFill>
-          <a:schemeClr val="tx1">
-            <a:lumMod val="5000"/>
-            <a:lumOff val="95000"/>
-          </a:schemeClr>
-        </a:solidFill>
-        <a:round/>
-      </a:ln>
-    </cs:spPr>
-  </cs:gridlineMinor>
-  <cs:hiLoLine>
-    <cs:lnRef idx="0"/>
-    <cs:fillRef idx="0"/>
-    <cs:effectRef idx="0"/>
-    <cs:fontRef idx="minor">
-      <a:schemeClr val="tx1"/>
-    </cs:fontRef>
-    <cs:spPr>
-      <a:ln w="9525" cap="flat" cmpd="sng" algn="ctr">
-        <a:solidFill>
-          <a:schemeClr val="tx1">
-            <a:lumMod val="50000"/>
-            <a:lumOff val="50000"/>
-          </a:schemeClr>
-        </a:solidFill>
-        <a:round/>
-      </a:ln>
-    </cs:spPr>
-  </cs:hiLoLine>
-  <cs:leaderLine>
-    <cs:lnRef idx="0"/>
-    <cs:fillRef idx="0"/>
-    <cs:effectRef idx="0"/>
-    <cs:fontRef idx="minor">
-      <a:schemeClr val="tx1"/>
-    </cs:fontRef>
-    <cs:spPr>
-      <a:ln w="9525" cap="flat" cmpd="sng" algn="ctr">
-        <a:solidFill>
-          <a:schemeClr val="tx1">
-            <a:lumMod val="35000"/>
-            <a:lumOff val="65000"/>
-          </a:schemeClr>
-        </a:solidFill>
-        <a:round/>
-      </a:ln>
-    </cs:spPr>
-  </cs:leaderLine>
-  <cs:legend>
-    <cs:lnRef idx="0"/>
-    <cs:fillRef idx="0"/>
-    <cs:effectRef idx="0"/>
-    <cs:fontRef idx="minor">
-      <a:schemeClr val="tx1">
-        <a:lumMod val="65000"/>
-        <a:lumOff val="35000"/>
-      </a:schemeClr>
-    </cs:fontRef>
-    <cs:defRPr sz="1197" kern="1200"/>
-  </cs:legend>
-  <cs:plotArea mods="allowNoFillOverride allowNoLineOverride">
-    <cs:lnRef idx="0"/>
-    <cs:fillRef idx="0"/>
-    <cs:effectRef idx="0"/>
-    <cs:fontRef idx="minor">
-      <a:schemeClr val="tx1"/>
-    </cs:fontRef>
-  </cs:plotArea>
-  <cs:plotArea3D mods="allowNoFillOverride allowNoLineOverride">
-    <cs:lnRef idx="0"/>
-    <cs:fillRef idx="0"/>
-    <cs:effectRef idx="0"/>
-    <cs:fontRef idx="minor">
-      <a:schemeClr val="tx1"/>
-    </cs:fontRef>
-  </cs:plotArea3D>
-  <cs:seriesAxis>
-    <cs:lnRef idx="0"/>
-    <cs:fillRef idx="0"/>
-    <cs:effectRef idx="0"/>
-    <cs:fontRef idx="minor">
-      <a:schemeClr val="tx1">
-        <a:lumMod val="65000"/>
-        <a:lumOff val="35000"/>
-      </a:schemeClr>
-    </cs:fontRef>
-    <cs:defRPr sz="1197" kern="1200"/>
-  </cs:seriesAxis>
-  <cs:seriesLine>
-    <cs:lnRef idx="0"/>
-    <cs:fillRef idx="0"/>
-    <cs:effectRef idx="0"/>
-    <cs:fontRef idx="minor">
-      <a:schemeClr val="tx1"/>
-    </cs:fontRef>
-    <cs:spPr>
-      <a:ln w="9525" cap="flat" cmpd="sng" algn="ctr">
-        <a:solidFill>
-          <a:schemeClr val="tx1">
-            <a:lumMod val="35000"/>
-            <a:lumOff val="65000"/>
-          </a:schemeClr>
-        </a:solidFill>
-        <a:round/>
-      </a:ln>
-    </cs:spPr>
-  </cs:seriesLine>
-  <cs:title>
-    <cs:lnRef idx="0"/>
-    <cs:fillRef idx="0"/>
-    <cs:effectRef idx="0"/>
-    <cs:fontRef idx="minor">
-      <a:schemeClr val="tx1">
-        <a:lumMod val="65000"/>
-        <a:lumOff val="35000"/>
-      </a:schemeClr>
-    </cs:fontRef>
-    <cs:defRPr sz="1862" b="0" kern="1200" spc="0" baseline="0"/>
-  </cs:title>
-  <cs:trendline>
-    <cs:lnRef idx="0">
-      <cs:styleClr val="auto"/>
-    </cs:lnRef>
-    <cs:fillRef idx="0"/>
-    <cs:effectRef idx="0"/>
-    <cs:fontRef idx="minor">
-      <a:schemeClr val="tx1"/>
-    </cs:fontRef>
-    <cs:spPr>
-      <a:ln w="19050" cap="rnd">
-        <a:solidFill>
-          <a:schemeClr val="phClr"/>
-        </a:solidFill>
-        <a:prstDash val="sysDot"/>
-      </a:ln>
-    </cs:spPr>
-  </cs:trendline>
-  <cs:trendlineLabel>
-    <cs:lnRef idx="0"/>
-    <cs:fillRef idx="0"/>
-    <cs:effectRef idx="0"/>
-    <cs:fontRef idx="minor">
-      <a:schemeClr val="tx1">
-        <a:lumMod val="65000"/>
-        <a:lumOff val="35000"/>
-      </a:schemeClr>
-    </cs:fontRef>
-    <cs:defRPr sz="1197" kern="1200"/>
-  </cs:trendlineLabel>
-  <cs:upBar>
-    <cs:lnRef idx="0"/>
-    <cs:fillRef idx="0"/>
-    <cs:effectRef idx="0"/>
-    <cs:fontRef idx="minor">
-      <a:schemeClr val="tx1"/>
-    </cs:fontRef>
-    <cs:spPr>
-      <a:solidFill>
-        <a:schemeClr val="lt1"/>
-      </a:solidFill>
-      <a:ln w="9525" cap="flat" cmpd="sng" algn="ctr">
-        <a:solidFill>
-          <a:schemeClr val="tx1">
-            <a:lumMod val="65000"/>
-            <a:lumOff val="35000"/>
-          </a:schemeClr>
-        </a:solidFill>
-        <a:round/>
-      </a:ln>
-    </cs:spPr>
-  </cs:upBar>
-  <cs:valueAxis>
-    <cs:lnRef idx="0"/>
-    <cs:fillRef idx="0"/>
-    <cs:effectRef idx="0"/>
-    <cs:fontRef idx="minor">
-      <a:schemeClr val="tx1">
-        <a:lumMod val="65000"/>
-        <a:lumOff val="35000"/>
-      </a:schemeClr>
-    </cs:fontRef>
-    <cs:defRPr sz="1197" kern="1200"/>
-  </cs:valueAxis>
-  <cs:wall>
-    <cs:lnRef idx="0"/>
-    <cs:fillRef idx="0"/>
-    <cs:effectRef idx="0"/>
-    <cs:fontRef idx="minor">
-      <a:schemeClr val="tx1"/>
-    </cs:fontRef>
-    <cs:spPr>
-      <a:noFill/>
-      <a:ln>
-        <a:noFill/>
-      </a:ln>
-    </cs:spPr>
-  </cs:wall>
-</cs:chartStyle>
+<file path=ppt/notesSlides/notesSlide1.xml><?xml version="1.0" encoding="utf-8"?>
+<p:notes xmlns:a="http://schemas.openxmlformats.org/drawingml/2006/main" xmlns:r="http://schemas.openxmlformats.org/officeDocument/2006/relationships" xmlns:p="http://schemas.openxmlformats.org/presentationml/2006/main">
+  <p:cSld>
+    <p:spTree>
+      <p:nvGrpSpPr>
+        <p:cNvPr id="1" name=""/>
+        <p:cNvGrpSpPr/>
+        <p:nvPr/>
+      </p:nvGrpSpPr>
+      <p:grpSpPr>
+        <a:xfrm>
+          <a:off x="0" y="0"/>
+          <a:ext cx="0" cy="0"/>
+          <a:chOff x="0" y="0"/>
+          <a:chExt cx="0" cy="0"/>
+        </a:xfrm>
+      </p:grpSpPr>
+      <p:sp>
+        <p:nvSpPr>
+          <p:cNvPr id="2" name="スライド イメージ プレースホルダー 1"/>
+          <p:cNvSpPr>
+            <a:spLocks noGrp="1" noRot="1" noChangeAspect="1"/>
+          </p:cNvSpPr>
+          <p:nvPr>
+            <p:ph type="sldImg"/>
+          </p:nvPr>
+        </p:nvSpPr>
+        <p:spPr/>
+      </p:sp>
+      <p:sp>
+        <p:nvSpPr>
+          <p:cNvPr id="3" name="ノート プレースホルダー 2"/>
+          <p:cNvSpPr>
+            <a:spLocks noGrp="1"/>
+          </p:cNvSpPr>
+          <p:nvPr>
+            <p:ph type="body" idx="1"/>
+          </p:nvPr>
+        </p:nvSpPr>
+        <p:spPr/>
+        <p:txBody>
+          <a:bodyPr/>
+          <a:lstStyle/>
+          <a:p>
+            <a:r>
+              <a:rPr kumimoji="1" lang="ja-JP" altLang="en-US"/>
+              <a:t>左の</a:t>
+            </a:r>
+            <a:r>
+              <a:rPr kumimoji="1" lang="en-US" altLang="ja-JP" dirty="0"/>
+              <a:t>1/3</a:t>
+            </a:r>
+            <a:r>
+              <a:rPr kumimoji="1" lang="ja-JP" altLang="en-US"/>
+              <a:t>くらいにテキスト縮めといね</a:t>
+            </a:r>
+            <a:br>
+              <a:rPr kumimoji="1" lang="en-US" altLang="ja-JP" dirty="0"/>
+            </a:br>
+            <a:endParaRPr kumimoji="1" lang="ja-JP" altLang="en-US"/>
+          </a:p>
+        </p:txBody>
+      </p:sp>
+      <p:sp>
+        <p:nvSpPr>
+          <p:cNvPr id="4" name="スライド番号プレースホルダー 3"/>
+          <p:cNvSpPr>
+            <a:spLocks noGrp="1"/>
+          </p:cNvSpPr>
+          <p:nvPr>
+            <p:ph type="sldNum" sz="quarter" idx="5"/>
+          </p:nvPr>
+        </p:nvSpPr>
+        <p:spPr/>
+        <p:txBody>
+          <a:bodyPr/>
+          <a:lstStyle/>
+          <a:p>
+            <a:fld id="{0E80E27F-F5B4-B149-84AA-F7ABB91A876C}" type="slidenum">
+              <a:rPr kumimoji="1" lang="ja-JP" altLang="en-US" smtClean="0"/>
+              <a:t>1</a:t>
+            </a:fld>
+            <a:endParaRPr kumimoji="1" lang="ja-JP" altLang="en-US"/>
+          </a:p>
+        </p:txBody>
+      </p:sp>
+    </p:spTree>
+    <p:extLst>
+      <p:ext uri="{BB962C8B-B14F-4D97-AF65-F5344CB8AC3E}">
+        <p14:creationId xmlns:p14="http://schemas.microsoft.com/office/powerpoint/2010/main" val="3427503895"/>
+      </p:ext>
+    </p:extLst>
+  </p:cSld>
+  <p:clrMapOvr>
+    <a:masterClrMapping/>
+  </p:clrMapOvr>
+</p:notes>
 </file>
 
 <file path=ppt/slideLayouts/slideLayout1.xml><?xml version="1.0" encoding="utf-8"?>
@@ -1313,7 +785,7 @@
           <a:p>
             <a:fld id="{41C63ABA-7AD4-414B-BAC9-9FD2A004AC76}" type="datetimeFigureOut">
               <a:rPr kumimoji="1" lang="ja-JP" altLang="en-US" smtClean="0"/>
-              <a:t>2022/10/4</a:t>
+              <a:t>2022/10/7</a:t>
             </a:fld>
             <a:endParaRPr kumimoji="1" lang="ja-JP" altLang="en-US" dirty="0"/>
           </a:p>
@@ -1513,7 +985,7 @@
           <a:p>
             <a:fld id="{41C63ABA-7AD4-414B-BAC9-9FD2A004AC76}" type="datetimeFigureOut">
               <a:rPr kumimoji="1" lang="ja-JP" altLang="en-US" smtClean="0"/>
-              <a:t>2022/10/4</a:t>
+              <a:t>2022/10/7</a:t>
             </a:fld>
             <a:endParaRPr kumimoji="1" lang="ja-JP" altLang="en-US" dirty="0"/>
           </a:p>
@@ -1723,7 +1195,7 @@
           <a:p>
             <a:fld id="{41C63ABA-7AD4-414B-BAC9-9FD2A004AC76}" type="datetimeFigureOut">
               <a:rPr kumimoji="1" lang="ja-JP" altLang="en-US" smtClean="0"/>
-              <a:t>2022/10/4</a:t>
+              <a:t>2022/10/7</a:t>
             </a:fld>
             <a:endParaRPr kumimoji="1" lang="ja-JP" altLang="en-US" dirty="0"/>
           </a:p>
@@ -1923,7 +1395,7 @@
           <a:p>
             <a:fld id="{41C63ABA-7AD4-414B-BAC9-9FD2A004AC76}" type="datetimeFigureOut">
               <a:rPr kumimoji="1" lang="ja-JP" altLang="en-US" smtClean="0"/>
-              <a:t>2022/10/4</a:t>
+              <a:t>2022/10/7</a:t>
             </a:fld>
             <a:endParaRPr kumimoji="1" lang="ja-JP" altLang="en-US" dirty="0"/>
           </a:p>
@@ -2168,7 +1640,7 @@
           <a:p>
             <a:fld id="{41C63ABA-7AD4-414B-BAC9-9FD2A004AC76}" type="datetimeFigureOut">
               <a:rPr kumimoji="1" lang="ja-JP" altLang="en-US" smtClean="0"/>
-              <a:t>2022/10/4</a:t>
+              <a:t>2022/10/7</a:t>
             </a:fld>
             <a:endParaRPr kumimoji="1" lang="ja-JP" altLang="en-US" dirty="0"/>
           </a:p>
@@ -2517,7 +1989,7 @@
           <a:p>
             <a:fld id="{41C63ABA-7AD4-414B-BAC9-9FD2A004AC76}" type="datetimeFigureOut">
               <a:rPr kumimoji="1" lang="ja-JP" altLang="en-US" smtClean="0"/>
-              <a:t>2022/10/4</a:t>
+              <a:t>2022/10/7</a:t>
             </a:fld>
             <a:endParaRPr kumimoji="1" lang="ja-JP" altLang="en-US" dirty="0"/>
           </a:p>
@@ -3005,7 +2477,7 @@
           <a:p>
             <a:fld id="{41C63ABA-7AD4-414B-BAC9-9FD2A004AC76}" type="datetimeFigureOut">
               <a:rPr kumimoji="1" lang="ja-JP" altLang="en-US" smtClean="0"/>
-              <a:t>2022/10/4</a:t>
+              <a:t>2022/10/7</a:t>
             </a:fld>
             <a:endParaRPr kumimoji="1" lang="ja-JP" altLang="en-US" dirty="0"/>
           </a:p>
@@ -3122,7 +2594,7 @@
           <a:p>
             <a:fld id="{41C63ABA-7AD4-414B-BAC9-9FD2A004AC76}" type="datetimeFigureOut">
               <a:rPr kumimoji="1" lang="ja-JP" altLang="en-US" smtClean="0"/>
-              <a:t>2022/10/4</a:t>
+              <a:t>2022/10/7</a:t>
             </a:fld>
             <a:endParaRPr kumimoji="1" lang="ja-JP" altLang="en-US" dirty="0"/>
           </a:p>
@@ -3217,7 +2689,7 @@
           <a:p>
             <a:fld id="{41C63ABA-7AD4-414B-BAC9-9FD2A004AC76}" type="datetimeFigureOut">
               <a:rPr kumimoji="1" lang="ja-JP" altLang="en-US" smtClean="0"/>
-              <a:t>2022/10/4</a:t>
+              <a:t>2022/10/7</a:t>
             </a:fld>
             <a:endParaRPr kumimoji="1" lang="ja-JP" altLang="en-US" dirty="0"/>
           </a:p>
@@ -3524,7 +2996,7 @@
           <a:p>
             <a:fld id="{41C63ABA-7AD4-414B-BAC9-9FD2A004AC76}" type="datetimeFigureOut">
               <a:rPr kumimoji="1" lang="ja-JP" altLang="en-US" smtClean="0"/>
-              <a:t>2022/10/4</a:t>
+              <a:t>2022/10/7</a:t>
             </a:fld>
             <a:endParaRPr kumimoji="1" lang="ja-JP" altLang="en-US" dirty="0"/>
           </a:p>
@@ -3776,7 +3248,7 @@
           <a:p>
             <a:fld id="{41C63ABA-7AD4-414B-BAC9-9FD2A004AC76}" type="datetimeFigureOut">
               <a:rPr kumimoji="1" lang="ja-JP" altLang="en-US" smtClean="0"/>
-              <a:t>2022/10/4</a:t>
+              <a:t>2022/10/7</a:t>
             </a:fld>
             <a:endParaRPr kumimoji="1" lang="ja-JP" altLang="en-US" dirty="0"/>
           </a:p>
@@ -4019,7 +3491,7 @@
           <a:p>
             <a:fld id="{41C63ABA-7AD4-414B-BAC9-9FD2A004AC76}" type="datetimeFigureOut">
               <a:rPr kumimoji="1" lang="ja-JP" altLang="en-US" smtClean="0"/>
-              <a:t>2022/10/4</a:t>
+              <a:t>2022/10/7</a:t>
             </a:fld>
             <a:endParaRPr kumimoji="1" lang="ja-JP" altLang="en-US" dirty="0"/>
           </a:p>
@@ -4394,28 +3866,6 @@
           <a:chExt cx="0" cy="0"/>
         </a:xfrm>
       </p:grpSpPr>
-      <p:graphicFrame>
-        <p:nvGraphicFramePr>
-          <p:cNvPr id="24" name="グラフ 23"/>
-          <p:cNvGraphicFramePr/>
-          <p:nvPr>
-            <p:extLst>
-              <p:ext uri="{D42A27DB-BD31-4B8C-83A1-F6EECF244321}">
-                <p14:modId xmlns:p14="http://schemas.microsoft.com/office/powerpoint/2010/main" val="3227781356"/>
-              </p:ext>
-            </p:extLst>
-          </p:nvPr>
-        </p:nvGraphicFramePr>
-        <p:xfrm>
-          <a:off x="4872606" y="3648798"/>
-          <a:ext cx="4131300" cy="1908000"/>
-        </p:xfrm>
-        <a:graphic>
-          <a:graphicData uri="http://schemas.openxmlformats.org/drawingml/2006/chart">
-            <c:chart xmlns:c="http://schemas.openxmlformats.org/drawingml/2006/chart" xmlns:r="http://schemas.openxmlformats.org/officeDocument/2006/relationships" r:id="rId2"/>
-          </a:graphicData>
-        </a:graphic>
-      </p:graphicFrame>
       <p:sp>
         <p:nvSpPr>
           <p:cNvPr id="2" name="タイトル 1"/>
@@ -4428,8 +3878,8 @@
         </p:nvSpPr>
         <p:spPr>
           <a:xfrm>
-            <a:off x="-83977" y="126162"/>
-            <a:ext cx="10201200" cy="1287165"/>
+            <a:off x="128592" y="104920"/>
+            <a:ext cx="9375100" cy="1287165"/>
           </a:xfrm>
           <a:ln>
             <a:solidFill>
@@ -4561,7 +4011,7 @@
         </p:nvSpPr>
         <p:spPr>
           <a:xfrm>
-            <a:off x="123332" y="6964212"/>
+            <a:off x="120080" y="6371722"/>
             <a:ext cx="3519830" cy="670455"/>
           </a:xfrm>
           <a:prstGeom prst="rect">
@@ -4614,7 +4064,7 @@
         </p:nvSpPr>
         <p:spPr>
           <a:xfrm>
-            <a:off x="4914309" y="1434570"/>
+            <a:off x="4914309" y="1467895"/>
             <a:ext cx="4523287" cy="716272"/>
           </a:xfrm>
           <a:prstGeom prst="rect">
@@ -4665,8 +4115,8 @@
         </p:nvSpPr>
         <p:spPr>
           <a:xfrm>
-            <a:off x="490628" y="11214483"/>
-            <a:ext cx="4002286" cy="1303316"/>
+            <a:off x="342696" y="11770155"/>
+            <a:ext cx="4002286" cy="997433"/>
           </a:xfrm>
           <a:prstGeom prst="rect">
             <a:avLst/>
@@ -4698,6 +4148,16 @@
           <a:p>
             <a:pPr algn="ctr"/>
             <a:r>
+              <a:rPr kumimoji="1" lang="ja-JP" altLang="en-US" sz="1600">
+                <a:solidFill>
+                  <a:schemeClr val="tx1"/>
+                </a:solidFill>
+                <a:latin typeface="Arial" panose="020B0604020202020204" pitchFamily="34" charset="0"/>
+                <a:cs typeface="Arial" panose="020B0604020202020204" pitchFamily="34" charset="0"/>
+              </a:rPr>
+              <a:t>機械学習のネットワークの図</a:t>
+            </a:r>
+            <a:r>
               <a:rPr kumimoji="1" lang="en-US" altLang="ja-JP" sz="1600" dirty="0">
                 <a:solidFill>
                   <a:schemeClr val="tx1"/>
@@ -4705,82 +4165,9 @@
                 <a:latin typeface="Arial" panose="020B0604020202020204" pitchFamily="34" charset="0"/>
                 <a:cs typeface="Arial" panose="020B0604020202020204" pitchFamily="34" charset="0"/>
               </a:rPr>
-              <a:t>Figures and Tables</a:t>
-            </a:r>
-            <a:endParaRPr kumimoji="1" lang="ja-JP" altLang="en-US" sz="1600" dirty="0">
-              <a:solidFill>
-                <a:schemeClr val="tx1"/>
-              </a:solidFill>
-              <a:latin typeface="Arial" panose="020B0604020202020204" pitchFamily="34" charset="0"/>
-              <a:cs typeface="Arial" panose="020B0604020202020204" pitchFamily="34" charset="0"/>
-            </a:endParaRPr>
-          </a:p>
-        </p:txBody>
-      </p:sp>
-      <p:sp>
-        <p:nvSpPr>
-          <p:cNvPr id="12" name="正方形/長方形 11"/>
-          <p:cNvSpPr/>
-          <p:nvPr/>
-        </p:nvSpPr>
-        <p:spPr>
-          <a:xfrm>
-            <a:off x="5130671" y="9826148"/>
-            <a:ext cx="4036727" cy="1546006"/>
-          </a:xfrm>
-          <a:prstGeom prst="rect">
-            <a:avLst/>
-          </a:prstGeom>
-          <a:solidFill>
-            <a:schemeClr val="bg1"/>
-          </a:solidFill>
-          <a:ln w="9525"/>
-        </p:spPr>
-        <p:style>
-          <a:lnRef idx="2">
-            <a:schemeClr val="accent1">
-              <a:shade val="50000"/>
-            </a:schemeClr>
-          </a:lnRef>
-          <a:fillRef idx="1">
-            <a:schemeClr val="accent1"/>
-          </a:fillRef>
-          <a:effectRef idx="0">
-            <a:schemeClr val="accent1"/>
-          </a:effectRef>
-          <a:fontRef idx="minor">
-            <a:schemeClr val="lt1"/>
-          </a:fontRef>
-        </p:style>
-        <p:txBody>
-          <a:bodyPr rtlCol="0" anchor="ctr"/>
-          <a:lstStyle/>
-          <a:p>
-            <a:pPr algn="ctr"/>
-            <a:r>
-              <a:rPr kumimoji="1" lang="en-US" altLang="ja-JP" sz="1600" dirty="0">
-                <a:solidFill>
-                  <a:schemeClr val="tx1"/>
-                </a:solidFill>
-                <a:latin typeface="Arial" panose="020B0604020202020204" pitchFamily="34" charset="0"/>
-                <a:cs typeface="Arial" panose="020B0604020202020204" pitchFamily="34" charset="0"/>
-              </a:rPr>
-              <a:t>Figures and Tables</a:t>
-            </a:r>
-          </a:p>
-          <a:p>
-            <a:pPr algn="ctr"/>
-            <a:endParaRPr kumimoji="1" lang="en-US" altLang="ja-JP" sz="1600" dirty="0">
-              <a:solidFill>
-                <a:schemeClr val="tx1"/>
-              </a:solidFill>
-              <a:latin typeface="Arial" panose="020B0604020202020204" pitchFamily="34" charset="0"/>
-              <a:cs typeface="Arial" panose="020B0604020202020204" pitchFamily="34" charset="0"/>
-            </a:endParaRPr>
-          </a:p>
-          <a:p>
-            <a:pPr algn="ctr"/>
-            <a:r>
+              <a:t>?</a:t>
+            </a:r>
+            <a:br>
               <a:rPr lang="en-US" altLang="ja-JP" sz="1600" dirty="0">
                 <a:solidFill>
                   <a:schemeClr val="tx1"/>
@@ -4788,21 +4175,7 @@
                 <a:latin typeface="Arial" panose="020B0604020202020204" pitchFamily="34" charset="0"/>
                 <a:cs typeface="Arial" panose="020B0604020202020204" pitchFamily="34" charset="0"/>
               </a:rPr>
-              <a:t>Schedule (Gantt Chart)</a:t>
-            </a:r>
-          </a:p>
-          <a:p>
-            <a:pPr algn="ctr"/>
-            <a:r>
-              <a:rPr lang="en-US" altLang="ja-JP" sz="1600">
-                <a:solidFill>
-                  <a:schemeClr val="tx1"/>
-                </a:solidFill>
-                <a:latin typeface="Arial" panose="020B0604020202020204" pitchFamily="34" charset="0"/>
-                <a:cs typeface="Arial" panose="020B0604020202020204" pitchFamily="34" charset="0"/>
-              </a:rPr>
-              <a:t>Include </a:t>
-            </a:r>
+            </a:br>
             <a:r>
               <a:rPr lang="en-US" altLang="ja-JP" sz="1600" dirty="0">
                 <a:solidFill>
@@ -4811,7 +4184,17 @@
                 <a:latin typeface="Arial" panose="020B0604020202020204" pitchFamily="34" charset="0"/>
                 <a:cs typeface="Arial" panose="020B0604020202020204" pitchFamily="34" charset="0"/>
               </a:rPr>
-              <a:t>milestones</a:t>
+              <a:t>Shape-From-Shading</a:t>
+            </a:r>
+            <a:r>
+              <a:rPr lang="ja-JP" altLang="en-US" sz="1600">
+                <a:solidFill>
+                  <a:schemeClr val="tx1"/>
+                </a:solidFill>
+                <a:latin typeface="Arial" panose="020B0604020202020204" pitchFamily="34" charset="0"/>
+                <a:cs typeface="Arial" panose="020B0604020202020204" pitchFamily="34" charset="0"/>
+              </a:rPr>
+              <a:t>の図</a:t>
             </a:r>
             <a:endParaRPr kumimoji="1" lang="ja-JP" altLang="en-US" sz="1600" dirty="0">
               <a:solidFill>
@@ -4876,13 +4259,27 @@
                 <a:latin typeface="Arial" panose="020B0604020202020204" pitchFamily="34" charset="0"/>
                 <a:cs typeface="Arial" panose="020B0604020202020204" pitchFamily="34" charset="0"/>
               </a:rPr>
-              <a:t>は、デジタル画像モデルと組み合わせて、月面探査機着陸地点の選定や地形・地質の研究に幅広く使われている。</a:t>
+              <a:t>は、デジタル画像モデルと組み合わせて、月面探査機着陸地点の選定や地形・地質の研究に幅広く使われている</a:t>
             </a:r>
             <a:r>
               <a:rPr kumimoji="1" lang="en-US" altLang="ja-JP" sz="1600" dirty="0">
                 <a:latin typeface="Arial" panose="020B0604020202020204" pitchFamily="34" charset="0"/>
                 <a:cs typeface="Arial" panose="020B0604020202020204" pitchFamily="34" charset="0"/>
               </a:rPr>
+              <a:t>[1]</a:t>
+            </a:r>
+            <a:r>
+              <a:rPr kumimoji="1" lang="ja-JP" altLang="en-US" sz="1600">
+                <a:latin typeface="Arial" panose="020B0604020202020204" pitchFamily="34" charset="0"/>
+                <a:cs typeface="Arial" panose="020B0604020202020204" pitchFamily="34" charset="0"/>
+              </a:rPr>
+              <a:t>。</a:t>
+            </a:r>
+            <a:r>
+              <a:rPr kumimoji="1" lang="en-US" altLang="ja-JP" sz="1600" dirty="0">
+                <a:latin typeface="Arial" panose="020B0604020202020204" pitchFamily="34" charset="0"/>
+                <a:cs typeface="Arial" panose="020B0604020202020204" pitchFamily="34" charset="0"/>
+              </a:rPr>
               <a:t>DTM</a:t>
             </a:r>
             <a:r>
@@ -4974,13 +4371,27 @@
                 <a:latin typeface="Arial" panose="020B0604020202020204" pitchFamily="34" charset="0"/>
                 <a:cs typeface="Arial" panose="020B0604020202020204" pitchFamily="34" charset="0"/>
               </a:rPr>
-              <a:t>枚程度しか存在せず、月全球の被覆範囲が非常に少ない。これは人力による</a:t>
+              <a:t>枚程度しか存在せず、月全球の被覆範囲が非常に少ない</a:t>
             </a:r>
             <a:r>
               <a:rPr lang="en-US" altLang="ja-JP" sz="1600" dirty="0">
                 <a:latin typeface="Arial" panose="020B0604020202020204" pitchFamily="34" charset="0"/>
                 <a:cs typeface="Arial" panose="020B0604020202020204" pitchFamily="34" charset="0"/>
               </a:rPr>
+              <a:t>[2]</a:t>
+            </a:r>
+            <a:r>
+              <a:rPr lang="ja-JP" altLang="en-US" sz="1600">
+                <a:latin typeface="Arial" panose="020B0604020202020204" pitchFamily="34" charset="0"/>
+                <a:cs typeface="Arial" panose="020B0604020202020204" pitchFamily="34" charset="0"/>
+              </a:rPr>
+              <a:t>。これは人力による</a:t>
+            </a:r>
+            <a:r>
+              <a:rPr lang="en-US" altLang="ja-JP" sz="1600" dirty="0">
+                <a:latin typeface="Arial" panose="020B0604020202020204" pitchFamily="34" charset="0"/>
+                <a:cs typeface="Arial" panose="020B0604020202020204" pitchFamily="34" charset="0"/>
+              </a:rPr>
               <a:t>DTM</a:t>
             </a:r>
             <a:r>
@@ -5002,27 +4413,55 @@
                 <a:latin typeface="Arial" panose="020B0604020202020204" pitchFamily="34" charset="0"/>
                 <a:cs typeface="Arial" panose="020B0604020202020204" pitchFamily="34" charset="0"/>
               </a:rPr>
-              <a:t>を作成できる条件を満たす地域に限りがあるためである。本研究では、機械学習と</a:t>
+              <a:t>を作成できる条件を満たす地域に限りがあるためである</a:t>
             </a:r>
             <a:r>
               <a:rPr lang="en-US" altLang="ja-JP" sz="1600" dirty="0">
                 <a:latin typeface="Arial" panose="020B0604020202020204" pitchFamily="34" charset="0"/>
                 <a:cs typeface="Arial" panose="020B0604020202020204" pitchFamily="34" charset="0"/>
               </a:rPr>
-              <a:t>Shape-from-shading</a:t>
+              <a:t>[3]</a:t>
             </a:r>
             <a:r>
               <a:rPr lang="ja-JP" altLang="en-US" sz="1600">
                 <a:latin typeface="Arial" panose="020B0604020202020204" pitchFamily="34" charset="0"/>
                 <a:cs typeface="Arial" panose="020B0604020202020204" pitchFamily="34" charset="0"/>
               </a:rPr>
-              <a:t>を組み合わせる手法を用いて、</a:t>
+              <a:t>。本研究では、機械学習と</a:t>
             </a:r>
             <a:r>
               <a:rPr lang="en-US" altLang="ja-JP" sz="1600" dirty="0">
                 <a:latin typeface="Arial" panose="020B0604020202020204" pitchFamily="34" charset="0"/>
                 <a:cs typeface="Arial" panose="020B0604020202020204" pitchFamily="34" charset="0"/>
               </a:rPr>
+              <a:t>Shape-From-Shading (SFS) </a:t>
+            </a:r>
+            <a:r>
+              <a:rPr lang="ja-JP" altLang="en-US" sz="1600">
+                <a:latin typeface="Arial" panose="020B0604020202020204" pitchFamily="34" charset="0"/>
+                <a:cs typeface="Arial" panose="020B0604020202020204" pitchFamily="34" charset="0"/>
+              </a:rPr>
+              <a:t>を組み合わせる</a:t>
+            </a:r>
+            <a:r>
+              <a:rPr lang="en-US" altLang="ja-JP" sz="1600" dirty="0">
+                <a:latin typeface="Arial" panose="020B0604020202020204" pitchFamily="34" charset="0"/>
+                <a:cs typeface="Arial" panose="020B0604020202020204" pitchFamily="34" charset="0"/>
+              </a:rPr>
+              <a:t> </a:t>
+            </a:r>
+            <a:r>
+              <a:rPr lang="ja-JP" altLang="en-US" sz="1600">
+                <a:latin typeface="Arial" panose="020B0604020202020204" pitchFamily="34" charset="0"/>
+                <a:cs typeface="Arial" panose="020B0604020202020204" pitchFamily="34" charset="0"/>
+              </a:rPr>
+              <a:t>ことで、</a:t>
+            </a:r>
+            <a:r>
+              <a:rPr lang="en-US" altLang="ja-JP" sz="1600" dirty="0">
+                <a:latin typeface="Arial" panose="020B0604020202020204" pitchFamily="34" charset="0"/>
+                <a:cs typeface="Arial" panose="020B0604020202020204" pitchFamily="34" charset="0"/>
+              </a:rPr>
               <a:t>LRO NAC DTM</a:t>
             </a:r>
             <a:r>
@@ -5044,7 +4483,7 @@
                 <a:latin typeface="Arial" panose="020B0604020202020204" pitchFamily="34" charset="0"/>
                 <a:cs typeface="Arial" panose="020B0604020202020204" pitchFamily="34" charset="0"/>
               </a:rPr>
-              <a:t>を生成することにより、データの補完を行う。</a:t>
+              <a:t>を生成し、データの補完を行う。</a:t>
             </a:r>
             <a:endParaRPr lang="en-US" altLang="ja-JP" sz="1600" dirty="0">
               <a:latin typeface="Arial" panose="020B0604020202020204" pitchFamily="34" charset="0"/>
@@ -5061,8 +4500,8 @@
         </p:nvSpPr>
         <p:spPr>
           <a:xfrm>
-            <a:off x="336104" y="7504434"/>
-            <a:ext cx="3960440" cy="4093428"/>
+            <a:off x="342696" y="6984230"/>
+            <a:ext cx="3960440" cy="4785926"/>
           </a:xfrm>
           <a:prstGeom prst="rect">
             <a:avLst/>
@@ -5102,14 +4541,28 @@
                 <a:latin typeface="Arial" panose="020B0604020202020204" pitchFamily="34" charset="0"/>
                 <a:cs typeface="Arial" panose="020B0604020202020204" pitchFamily="34" charset="0"/>
               </a:rPr>
-              <a:t>Pix2Pix-HD</a:t>
+              <a:t>Pix2Pix</a:t>
             </a:r>
             <a:r>
               <a:rPr lang="ja-JP" altLang="en-US" sz="1600">
                 <a:latin typeface="Arial" panose="020B0604020202020204" pitchFamily="34" charset="0"/>
                 <a:cs typeface="Arial" panose="020B0604020202020204" pitchFamily="34" charset="0"/>
               </a:rPr>
-              <a:t>という機械学習モデルを使って、</a:t>
+              <a:t>という機械学習モデル</a:t>
+            </a:r>
+            <a:r>
+              <a:rPr lang="en-US" altLang="ja-JP" sz="1600" dirty="0">
+                <a:latin typeface="Arial" panose="020B0604020202020204" pitchFamily="34" charset="0"/>
+                <a:cs typeface="Arial" panose="020B0604020202020204" pitchFamily="34" charset="0"/>
+              </a:rPr>
+              <a:t>[4]</a:t>
+            </a:r>
+            <a:r>
+              <a:rPr lang="ja-JP" altLang="en-US" sz="1600">
+                <a:latin typeface="Arial" panose="020B0604020202020204" pitchFamily="34" charset="0"/>
+                <a:cs typeface="Arial" panose="020B0604020202020204" pitchFamily="34" charset="0"/>
+              </a:rPr>
+              <a:t>を使って、</a:t>
             </a:r>
             <a:r>
               <a:rPr lang="en-US" altLang="ja-JP" sz="1600" dirty="0">
@@ -5242,7 +4695,7 @@
                 <a:latin typeface="Arial" panose="020B0604020202020204" pitchFamily="34" charset="0"/>
                 <a:cs typeface="Arial" panose="020B0604020202020204" pitchFamily="34" charset="0"/>
               </a:rPr>
-              <a:t>SFS</a:t>
+              <a:t>SFS [5] </a:t>
             </a:r>
             <a:r>
               <a:rPr lang="ja-JP" altLang="en-US" sz="1600">
@@ -5283,7 +4736,23 @@
             </a:r>
             <a:r>
               <a:rPr lang="ja-JP" altLang="en-US" sz="1600"/>
-              <a:t>に近づける。</a:t>
+              <a:t>に近づける。オープンソースである</a:t>
+            </a:r>
+            <a:r>
+              <a:rPr lang="en-US" altLang="ja-JP" sz="1600" dirty="0"/>
+              <a:t>NASA Ames Stereo Pipeline [6] </a:t>
+            </a:r>
+            <a:r>
+              <a:rPr lang="ja-JP" altLang="en-US" sz="1600"/>
+              <a:t>に搭載されている機能を用いて</a:t>
+            </a:r>
+            <a:r>
+              <a:rPr lang="en-US" altLang="ja-JP" sz="1600" dirty="0"/>
+              <a:t>SFS</a:t>
+            </a:r>
+            <a:r>
+              <a:rPr lang="ja-JP" altLang="en-US" sz="1600"/>
+              <a:t>を適応する</a:t>
             </a:r>
             <a:endParaRPr lang="en-US" altLang="ja-JP" sz="1600" dirty="0"/>
           </a:p>
@@ -5297,8 +4766,8 @@
         </p:nvSpPr>
         <p:spPr>
           <a:xfrm>
-            <a:off x="5160640" y="1938626"/>
-            <a:ext cx="4006758" cy="1892826"/>
+            <a:off x="5095398" y="1984448"/>
+            <a:ext cx="3915267" cy="3046988"/>
           </a:xfrm>
           <a:prstGeom prst="rect">
             <a:avLst/>
@@ -5311,20 +4780,19 @@
           </a:bodyPr>
           <a:lstStyle/>
           <a:p>
-            <a:pPr>
-              <a:spcAft>
-                <a:spcPts val="600"/>
-              </a:spcAft>
-            </a:pPr>
-            <a:r>
-              <a:rPr lang="en-US" altLang="ja-JP" sz="1600" i="1" dirty="0">
-                <a:solidFill>
-                  <a:srgbClr val="7F7F7F"/>
-                </a:solidFill>
-                <a:latin typeface="Arial" panose="020B0604020202020204" pitchFamily="34" charset="0"/>
-                <a:cs typeface="Arial" panose="020B0604020202020204" pitchFamily="34" charset="0"/>
-              </a:rPr>
-              <a:t>In this section, please report on the result of your preliminary study or describe current progress.</a:t>
+            <a:r>
+              <a:rPr lang="ja-JP" altLang="en-US" sz="1600">
+                <a:latin typeface="Arial" panose="020B0604020202020204" pitchFamily="34" charset="0"/>
+                <a:cs typeface="Arial" panose="020B0604020202020204" pitchFamily="34" charset="0"/>
+              </a:rPr>
+              <a:t>元データおよび教師データの作成</a:t>
+            </a:r>
+            <a:r>
+              <a:rPr kumimoji="1" lang="ja-JP" altLang="en-US" sz="1600">
+                <a:latin typeface="Arial" panose="020B0604020202020204" pitchFamily="34" charset="0"/>
+                <a:cs typeface="Arial" panose="020B0604020202020204" pitchFamily="34" charset="0"/>
+              </a:rPr>
+              <a:t>手順について書くつもり</a:t>
             </a:r>
             <a:endParaRPr kumimoji="1" lang="en-US" altLang="ja-JP" sz="1600" dirty="0">
               <a:latin typeface="Arial" panose="020B0604020202020204" pitchFamily="34" charset="0"/>
@@ -5332,36 +4800,127 @@
             </a:endParaRPr>
           </a:p>
           <a:p>
-            <a:pPr marL="185738" indent="-185738">
-              <a:buFont typeface="Arial" panose="020B0604020202020204" pitchFamily="34" charset="0"/>
-              <a:buChar char="•"/>
-            </a:pPr>
+            <a:r>
+              <a:rPr lang="ja-JP" altLang="en-US" sz="1600">
+                <a:latin typeface="Arial" panose="020B0604020202020204" pitchFamily="34" charset="0"/>
+                <a:cs typeface="Arial" panose="020B0604020202020204" pitchFamily="34" charset="0"/>
+              </a:rPr>
+              <a:t>元データ</a:t>
+            </a:r>
+            <a:br>
+              <a:rPr lang="en-US" altLang="ja-JP" sz="1600" dirty="0">
+                <a:latin typeface="Arial" panose="020B0604020202020204" pitchFamily="34" charset="0"/>
+                <a:cs typeface="Arial" panose="020B0604020202020204" pitchFamily="34" charset="0"/>
+              </a:rPr>
+            </a:br>
+            <a:r>
+              <a:rPr lang="ja-JP" altLang="en-US" sz="1600">
+                <a:latin typeface="Arial" panose="020B0604020202020204" pitchFamily="34" charset="0"/>
+                <a:cs typeface="Arial" panose="020B0604020202020204" pitchFamily="34" charset="0"/>
+              </a:rPr>
+              <a:t>・</a:t>
+            </a:r>
+            <a:r>
+              <a:rPr lang="en-US" altLang="ja-JP" sz="1600" dirty="0">
+                <a:latin typeface="Arial" panose="020B0604020202020204" pitchFamily="34" charset="0"/>
+                <a:cs typeface="Arial" panose="020B0604020202020204" pitchFamily="34" charset="0"/>
+              </a:rPr>
+              <a:t>SLDEM 2015</a:t>
+            </a:r>
+          </a:p>
+          <a:p>
+            <a:r>
+              <a:rPr lang="ja-JP" altLang="en-US" sz="1600">
+                <a:latin typeface="Arial" panose="020B0604020202020204" pitchFamily="34" charset="0"/>
+                <a:cs typeface="Arial" panose="020B0604020202020204" pitchFamily="34" charset="0"/>
+              </a:rPr>
+              <a:t>・</a:t>
+            </a:r>
+            <a:r>
+              <a:rPr lang="en-US" altLang="ja-JP" sz="1600" dirty="0">
+                <a:latin typeface="Arial" panose="020B0604020202020204" pitchFamily="34" charset="0"/>
+                <a:cs typeface="Arial" panose="020B0604020202020204" pitchFamily="34" charset="0"/>
+              </a:rPr>
+              <a:t>LRO NAC STEREO PHOTO</a:t>
+            </a:r>
+          </a:p>
+          <a:p>
+            <a:r>
+              <a:rPr kumimoji="1" lang="ja-JP" altLang="en-US" sz="1600">
+                <a:latin typeface="Arial" panose="020B0604020202020204" pitchFamily="34" charset="0"/>
+                <a:cs typeface="Arial" panose="020B0604020202020204" pitchFamily="34" charset="0"/>
+              </a:rPr>
+              <a:t>・</a:t>
+            </a:r>
             <a:r>
               <a:rPr kumimoji="1" lang="en-US" altLang="ja-JP" sz="1600" dirty="0">
                 <a:latin typeface="Arial" panose="020B0604020202020204" pitchFamily="34" charset="0"/>
                 <a:cs typeface="Arial" panose="020B0604020202020204" pitchFamily="34" charset="0"/>
               </a:rPr>
-              <a:t>Experimental/evaluation results</a:t>
-            </a:r>
-          </a:p>
-          <a:p>
-            <a:pPr marL="185738" indent="-185738">
-              <a:buFont typeface="Arial" panose="020B0604020202020204" pitchFamily="34" charset="0"/>
-              <a:buChar char="•"/>
-            </a:pPr>
+              <a:t>LRO NAC DTM</a:t>
+            </a:r>
+          </a:p>
+          <a:p>
+            <a:endParaRPr kumimoji="1" lang="en-US" altLang="ja-JP" sz="1600" dirty="0">
+              <a:latin typeface="Arial" panose="020B0604020202020204" pitchFamily="34" charset="0"/>
+              <a:cs typeface="Arial" panose="020B0604020202020204" pitchFamily="34" charset="0"/>
+            </a:endParaRPr>
+          </a:p>
+          <a:p>
+            <a:r>
+              <a:rPr lang="ja-JP" altLang="en-US" sz="1600">
+                <a:latin typeface="Arial" panose="020B0604020202020204" pitchFamily="34" charset="0"/>
+                <a:cs typeface="Arial" panose="020B0604020202020204" pitchFamily="34" charset="0"/>
+              </a:rPr>
+              <a:t>教師データ作成手順</a:t>
+            </a:r>
+            <a:br>
+              <a:rPr kumimoji="1" lang="en-US" altLang="ja-JP" sz="1600" dirty="0">
+                <a:latin typeface="Arial" panose="020B0604020202020204" pitchFamily="34" charset="0"/>
+                <a:cs typeface="Arial" panose="020B0604020202020204" pitchFamily="34" charset="0"/>
+              </a:rPr>
+            </a:br>
+            <a:r>
+              <a:rPr kumimoji="1" lang="ja-JP" altLang="en-US" sz="1600">
+                <a:latin typeface="Arial" panose="020B0604020202020204" pitchFamily="34" charset="0"/>
+                <a:cs typeface="Arial" panose="020B0604020202020204" pitchFamily="34" charset="0"/>
+              </a:rPr>
+              <a:t>・</a:t>
+            </a:r>
+            <a:r>
+              <a:rPr kumimoji="1" lang="en-US" altLang="ja-JP" sz="1600" dirty="0">
+                <a:latin typeface="Arial" panose="020B0604020202020204" pitchFamily="34" charset="0"/>
+                <a:cs typeface="Arial" panose="020B0604020202020204" pitchFamily="34" charset="0"/>
+              </a:rPr>
+              <a:t>LRO NAC </a:t>
+            </a:r>
+            <a:r>
+              <a:rPr kumimoji="1" lang="ja-JP" altLang="en-US" sz="1600">
+                <a:latin typeface="Arial" panose="020B0604020202020204" pitchFamily="34" charset="0"/>
+                <a:cs typeface="Arial" panose="020B0604020202020204" pitchFamily="34" charset="0"/>
+              </a:rPr>
+              <a:t>を</a:t>
+            </a:r>
+            <a:r>
+              <a:rPr lang="ja-JP" altLang="en-US" sz="1600">
+                <a:latin typeface="Arial" panose="020B0604020202020204" pitchFamily="34" charset="0"/>
+                <a:cs typeface="Arial" panose="020B0604020202020204" pitchFamily="34" charset="0"/>
+              </a:rPr>
+              <a:t>ダウンサンプリングし、</a:t>
+            </a:r>
             <a:r>
               <a:rPr lang="en-US" altLang="ja-JP" sz="1600" dirty="0">
                 <a:latin typeface="Arial" panose="020B0604020202020204" pitchFamily="34" charset="0"/>
                 <a:cs typeface="Arial" panose="020B0604020202020204" pitchFamily="34" charset="0"/>
               </a:rPr>
-              <a:t>Preliminary results indicate that</a:t>
-            </a:r>
-            <a:r>
-              <a:rPr lang="mr-IN" altLang="ja-JP" sz="1600" dirty="0">
-                <a:latin typeface="Arial" panose="020B0604020202020204" pitchFamily="34" charset="0"/>
-                <a:cs typeface="Arial" panose="020B0604020202020204" pitchFamily="34" charset="0"/>
-              </a:rPr>
-              <a:t>…</a:t>
+              <a:t>SLDEM2015</a:t>
+            </a:r>
+            <a:r>
+              <a:rPr lang="ja-JP" altLang="en-US" sz="1600">
+                <a:latin typeface="Arial" panose="020B0604020202020204" pitchFamily="34" charset="0"/>
+                <a:cs typeface="Arial" panose="020B0604020202020204" pitchFamily="34" charset="0"/>
+              </a:rPr>
+              <a:t>のデータ分解能と合わせる</a:t>
             </a:r>
             <a:endParaRPr lang="en-US" altLang="ja-JP" sz="1600" dirty="0">
               <a:latin typeface="Arial" panose="020B0604020202020204" pitchFamily="34" charset="0"/>
@@ -5369,19 +4928,41 @@
             </a:endParaRPr>
           </a:p>
           <a:p>
-            <a:pPr marL="185738" indent="-185738">
-              <a:buFont typeface="Arial" panose="020B0604020202020204" pitchFamily="34" charset="0"/>
-              <a:buChar char="•"/>
-            </a:pPr>
+            <a:r>
+              <a:rPr kumimoji="1" lang="ja-JP" altLang="en-US" sz="1600">
+                <a:latin typeface="Arial" panose="020B0604020202020204" pitchFamily="34" charset="0"/>
+                <a:cs typeface="Arial" panose="020B0604020202020204" pitchFamily="34" charset="0"/>
+              </a:rPr>
+              <a:t>・</a:t>
+            </a:r>
             <a:r>
               <a:rPr lang="en-US" altLang="ja-JP" sz="1600" dirty="0">
                 <a:latin typeface="Arial" panose="020B0604020202020204" pitchFamily="34" charset="0"/>
                 <a:cs typeface="Arial" panose="020B0604020202020204" pitchFamily="34" charset="0"/>
               </a:rPr>
-              <a:t>Progress of development/formulation</a:t>
-            </a:r>
-          </a:p>
-          <a:p>
+              <a:t>LRO NAC, SLDEM2015</a:t>
+            </a:r>
+            <a:r>
+              <a:rPr lang="ja-JP" altLang="en-US" sz="1600">
+                <a:latin typeface="Arial" panose="020B0604020202020204" pitchFamily="34" charset="0"/>
+                <a:cs typeface="Arial" panose="020B0604020202020204" pitchFamily="34" charset="0"/>
+              </a:rPr>
+              <a:t>から</a:t>
+            </a:r>
+            <a:r>
+              <a:rPr lang="en-US" altLang="ja-JP" sz="1600" dirty="0">
+                <a:latin typeface="Arial" panose="020B0604020202020204" pitchFamily="34" charset="0"/>
+                <a:cs typeface="Arial" panose="020B0604020202020204" pitchFamily="34" charset="0"/>
+              </a:rPr>
+              <a:t>256 x 256px</a:t>
+            </a:r>
+            <a:r>
+              <a:rPr lang="ja-JP" altLang="en-US" sz="1600">
+                <a:latin typeface="Arial" panose="020B0604020202020204" pitchFamily="34" charset="0"/>
+                <a:cs typeface="Arial" panose="020B0604020202020204" pitchFamily="34" charset="0"/>
+              </a:rPr>
+              <a:t>で切り出し二つの画像を結合</a:t>
+            </a:r>
             <a:endParaRPr kumimoji="1" lang="en-US" altLang="ja-JP" sz="1600" dirty="0">
               <a:latin typeface="Arial" panose="020B0604020202020204" pitchFamily="34" charset="0"/>
               <a:cs typeface="Arial" panose="020B0604020202020204" pitchFamily="34" charset="0"/>
@@ -5399,7 +4980,7 @@
         </p:nvSpPr>
         <p:spPr>
           <a:xfrm>
-            <a:off x="4914309" y="11301936"/>
+            <a:off x="5079986" y="10906774"/>
             <a:ext cx="4415061" cy="512992"/>
           </a:xfrm>
           <a:prstGeom prst="rect">
@@ -5452,7 +5033,7 @@
         </p:nvSpPr>
         <p:spPr>
           <a:xfrm>
-            <a:off x="4907756" y="6970829"/>
+            <a:off x="4922129" y="7328681"/>
             <a:ext cx="4210754" cy="716272"/>
           </a:xfrm>
           <a:prstGeom prst="rect">
@@ -5492,114 +5073,6 @@
               <a:latin typeface="Arial" panose="020B0604020202020204" pitchFamily="34" charset="0"/>
               <a:cs typeface="Arial" panose="020B0604020202020204" pitchFamily="34" charset="0"/>
             </a:endParaRPr>
-          </a:p>
-        </p:txBody>
-      </p:sp>
-      <p:sp>
-        <p:nvSpPr>
-          <p:cNvPr id="4" name="正方形/長方形 3"/>
-          <p:cNvSpPr/>
-          <p:nvPr/>
-        </p:nvSpPr>
-        <p:spPr>
-          <a:xfrm>
-            <a:off x="5108287" y="7687101"/>
-            <a:ext cx="4182837" cy="2139047"/>
-          </a:xfrm>
-          <a:prstGeom prst="rect">
-            <a:avLst/>
-          </a:prstGeom>
-        </p:spPr>
-        <p:txBody>
-          <a:bodyPr wrap="square">
-            <a:spAutoFit/>
-          </a:bodyPr>
-          <a:lstStyle/>
-          <a:p>
-            <a:pPr>
-              <a:spcAft>
-                <a:spcPts val="600"/>
-              </a:spcAft>
-            </a:pPr>
-            <a:r>
-              <a:rPr lang="en-US" altLang="ja-JP" sz="1600" i="1" dirty="0">
-                <a:solidFill>
-                  <a:srgbClr val="7F7F7F"/>
-                </a:solidFill>
-                <a:latin typeface="Arial" panose="020B0604020202020204" pitchFamily="34" charset="0"/>
-                <a:cs typeface="Arial" panose="020B0604020202020204" pitchFamily="34" charset="0"/>
-              </a:rPr>
-              <a:t>In this section, please provide the tentative schedule (milestones) of your research. </a:t>
-            </a:r>
-            <a:endParaRPr lang="en-US" altLang="ja-JP" sz="1600" dirty="0">
-              <a:latin typeface="Arial" panose="020B0604020202020204" pitchFamily="34" charset="0"/>
-              <a:cs typeface="Arial" panose="020B0604020202020204" pitchFamily="34" charset="0"/>
-            </a:endParaRPr>
-          </a:p>
-          <a:p>
-            <a:pPr marL="185738" indent="-185738">
-              <a:buFont typeface="Arial" panose="020B0604020202020204" pitchFamily="34" charset="0"/>
-              <a:buChar char="•"/>
-            </a:pPr>
-            <a:r>
-              <a:rPr lang="en-US" altLang="ja-JP" sz="1600" dirty="0">
-                <a:latin typeface="Arial" panose="020B0604020202020204" pitchFamily="34" charset="0"/>
-                <a:cs typeface="Arial" panose="020B0604020202020204" pitchFamily="34" charset="0"/>
-              </a:rPr>
-              <a:t>To-do list or Gantt Chart</a:t>
-            </a:r>
-          </a:p>
-          <a:p>
-            <a:pPr marL="185738" indent="-185738">
-              <a:buFont typeface="Arial" panose="020B0604020202020204" pitchFamily="34" charset="0"/>
-              <a:buChar char="•"/>
-            </a:pPr>
-            <a:r>
-              <a:rPr lang="en-US" altLang="ja-JP" sz="1600" dirty="0">
-                <a:latin typeface="Arial" panose="020B0604020202020204" pitchFamily="34" charset="0"/>
-                <a:cs typeface="Arial" panose="020B0604020202020204" pitchFamily="34" charset="0"/>
-              </a:rPr>
-              <a:t>Remaining issues</a:t>
-            </a:r>
-          </a:p>
-          <a:p>
-            <a:pPr marL="185738" indent="-185738">
-              <a:buFont typeface="Arial" panose="020B0604020202020204" pitchFamily="34" charset="0"/>
-              <a:buChar char="•"/>
-            </a:pPr>
-            <a:r>
-              <a:rPr lang="en-US" altLang="ja-JP" sz="1600" dirty="0">
-                <a:latin typeface="Arial" panose="020B0604020202020204" pitchFamily="34" charset="0"/>
-                <a:cs typeface="Arial" panose="020B0604020202020204" pitchFamily="34" charset="0"/>
-              </a:rPr>
-              <a:t>Milestones</a:t>
-            </a:r>
-          </a:p>
-          <a:p>
-            <a:pPr marL="185738" indent="-185738">
-              <a:buFont typeface="Arial" panose="020B0604020202020204" pitchFamily="34" charset="0"/>
-              <a:buChar char="•"/>
-            </a:pPr>
-            <a:r>
-              <a:rPr lang="en-US" altLang="ja-JP" sz="1600" dirty="0">
-                <a:latin typeface="Arial" panose="020B0604020202020204" pitchFamily="34" charset="0"/>
-                <a:cs typeface="Arial" panose="020B0604020202020204" pitchFamily="34" charset="0"/>
-              </a:rPr>
-              <a:t>Alternative plans in case some problems occur</a:t>
-            </a:r>
-          </a:p>
-          <a:p>
-            <a:pPr marL="185738" indent="-185738">
-              <a:buFont typeface="Arial" panose="020B0604020202020204" pitchFamily="34" charset="0"/>
-              <a:buChar char="•"/>
-            </a:pPr>
-            <a:r>
-              <a:rPr lang="en-US" altLang="ja-JP" sz="1600" dirty="0">
-                <a:latin typeface="Arial" panose="020B0604020202020204" pitchFamily="34" charset="0"/>
-                <a:cs typeface="Arial" panose="020B0604020202020204" pitchFamily="34" charset="0"/>
-              </a:rPr>
-              <a:t>Discussion (if any)</a:t>
-            </a:r>
           </a:p>
         </p:txBody>
       </p:sp>
@@ -5642,15 +5115,22 @@
           <a:p>
             <a:pPr algn="ctr"/>
             <a:r>
-              <a:rPr lang="en-US" altLang="ja-JP" sz="1600" dirty="0">
+              <a:rPr lang="ja-JP" altLang="en-US" sz="1600">
                 <a:solidFill>
                   <a:schemeClr val="tx1"/>
                 </a:solidFill>
                 <a:latin typeface="Arial" panose="020B0604020202020204" pitchFamily="34" charset="0"/>
                 <a:cs typeface="Arial" panose="020B0604020202020204" pitchFamily="34" charset="0"/>
               </a:rPr>
-              <a:t>Table 1. Example of a table caption</a:t>
-            </a:r>
+              <a:t>元データからのデータセット作成する図</a:t>
+            </a:r>
+            <a:endParaRPr lang="en-US" altLang="ja-JP" sz="1600" dirty="0">
+              <a:solidFill>
+                <a:schemeClr val="tx1"/>
+              </a:solidFill>
+              <a:latin typeface="Arial" panose="020B0604020202020204" pitchFamily="34" charset="0"/>
+              <a:cs typeface="Arial" panose="020B0604020202020204" pitchFamily="34" charset="0"/>
+            </a:endParaRPr>
           </a:p>
           <a:p>
             <a:pPr algn="ctr"/>
@@ -5664,16 +5144,6 @@
           </a:p>
           <a:p>
             <a:pPr algn="ctr"/>
-            <a:endParaRPr lang="en-US" altLang="ja-JP" sz="1600" dirty="0">
-              <a:solidFill>
-                <a:schemeClr val="tx1"/>
-              </a:solidFill>
-              <a:latin typeface="Arial" panose="020B0604020202020204" pitchFamily="34" charset="0"/>
-              <a:cs typeface="Arial" panose="020B0604020202020204" pitchFamily="34" charset="0"/>
-            </a:endParaRPr>
-          </a:p>
-          <a:p>
-            <a:pPr algn="ctr"/>
             <a:endParaRPr lang="ja-JP" altLang="ja-JP" dirty="0"/>
           </a:p>
         </p:txBody>
@@ -5686,8 +5156,8 @@
         </p:nvSpPr>
         <p:spPr>
           <a:xfrm>
-            <a:off x="5160640" y="11656025"/>
-            <a:ext cx="4476416" cy="1077218"/>
+            <a:off x="5160640" y="11357889"/>
+            <a:ext cx="4440560" cy="861774"/>
           </a:xfrm>
           <a:prstGeom prst="rect">
             <a:avLst/>
@@ -5704,59 +5174,19 @@
                 <a:latin typeface="Arial" panose="020B0604020202020204" pitchFamily="34" charset="0"/>
                 <a:cs typeface="Arial" panose="020B0604020202020204" pitchFamily="34" charset="0"/>
               </a:rPr>
-              <a:t>[1] Authors, “Paper title,” IEEE Trans.</a:t>
-            </a:r>
-            <a:r>
-              <a:rPr lang="ja-JP" altLang="en-US" sz="1600" dirty="0">
-                <a:latin typeface="Arial" panose="020B0604020202020204" pitchFamily="34" charset="0"/>
-                <a:cs typeface="Arial" panose="020B0604020202020204" pitchFamily="34" charset="0"/>
-              </a:rPr>
-              <a:t> </a:t>
-            </a:r>
+              <a:t>[1]</a:t>
+            </a:r>
+          </a:p>
+          <a:p>
             <a:r>
               <a:rPr lang="en-US" altLang="ja-JP" sz="1600" dirty="0">
                 <a:latin typeface="Arial" panose="020B0604020202020204" pitchFamily="34" charset="0"/>
                 <a:cs typeface="Arial" panose="020B0604020202020204" pitchFamily="34" charset="0"/>
               </a:rPr>
-              <a:t>on Computer, vol. 11, no. 4, pp. </a:t>
-            </a:r>
-            <a:r>
-              <a:rPr lang="en-US" altLang="ja-JP" sz="1600" dirty="0" err="1">
-                <a:latin typeface="Arial" panose="020B0604020202020204" pitchFamily="34" charset="0"/>
-                <a:cs typeface="Arial" panose="020B0604020202020204" pitchFamily="34" charset="0"/>
-              </a:rPr>
-              <a:t>nn</a:t>
-            </a:r>
-            <a:r>
-              <a:rPr lang="en-US" altLang="ja-JP" sz="1600" dirty="0">
-                <a:latin typeface="Arial" panose="020B0604020202020204" pitchFamily="34" charset="0"/>
-                <a:cs typeface="Arial" panose="020B0604020202020204" pitchFamily="34" charset="0"/>
-              </a:rPr>
-              <a:t>–mm, April 2016. </a:t>
-            </a:r>
-          </a:p>
-          <a:p>
-            <a:r>
-              <a:rPr lang="en-US" altLang="ja-JP" sz="1600" dirty="0">
-                <a:latin typeface="Arial" panose="020B0604020202020204" pitchFamily="34" charset="0"/>
-                <a:cs typeface="Arial" panose="020B0604020202020204" pitchFamily="34" charset="0"/>
-              </a:rPr>
-              <a:t>[2] author a, and author b, “ ….,”</a:t>
-            </a:r>
-            <a:r>
-              <a:rPr lang="ja-JP" altLang="en-US" sz="1600" dirty="0">
-                <a:latin typeface="Arial" panose="020B0604020202020204" pitchFamily="34" charset="0"/>
-                <a:cs typeface="Arial" panose="020B0604020202020204" pitchFamily="34" charset="0"/>
-              </a:rPr>
-              <a:t> </a:t>
-            </a:r>
-            <a:r>
-              <a:rPr lang="en-US" altLang="ja-JP" sz="1600" dirty="0">
-                <a:latin typeface="Arial" panose="020B0604020202020204" pitchFamily="34" charset="0"/>
-                <a:cs typeface="Arial" panose="020B0604020202020204" pitchFamily="34" charset="0"/>
-              </a:rPr>
-              <a:t>….</a:t>
-            </a:r>
+              <a:t>[2]</a:t>
+            </a:r>
+          </a:p>
+          <a:p>
             <a:endParaRPr lang="en-US" altLang="ja-JP" sz="1800" dirty="0">
               <a:latin typeface="Arial" panose="020B0604020202020204" pitchFamily="34" charset="0"/>
               <a:cs typeface="Arial" panose="020B0604020202020204" pitchFamily="34" charset="0"/>
@@ -5799,525 +5229,90 @@
           </a:fontRef>
         </p:style>
       </p:cxnSp>
-      <p:sp>
-        <p:nvSpPr>
-          <p:cNvPr id="3" name="正方形/長方形 2"/>
-          <p:cNvSpPr/>
+      <p:pic>
+        <p:nvPicPr>
+          <p:cNvPr id="23" name="図 22">
+            <a:extLst>
+              <a:ext uri="{FF2B5EF4-FFF2-40B4-BE49-F238E27FC236}">
+                <a16:creationId xmlns:a16="http://schemas.microsoft.com/office/drawing/2014/main" id="{D1039B03-B55B-4BE0-30A4-DFA8E919EAF3}"/>
+              </a:ext>
+            </a:extLst>
+          </p:cNvPr>
+          <p:cNvPicPr>
+            <a:picLocks noChangeAspect="1"/>
+          </p:cNvPicPr>
           <p:nvPr/>
-        </p:nvSpPr>
+        </p:nvPicPr>
+        <p:blipFill>
+          <a:blip r:embed="rId3"/>
+          <a:stretch>
+            <a:fillRect/>
+          </a:stretch>
+        </p:blipFill>
         <p:spPr>
           <a:xfrm>
-            <a:off x="8365662" y="1037925"/>
-            <a:ext cx="978714" cy="360040"/>
+            <a:off x="4930194" y="8536586"/>
+            <a:ext cx="4614228" cy="1625467"/>
           </a:xfrm>
           <a:prstGeom prst="rect">
             <a:avLst/>
           </a:prstGeom>
-          <a:solidFill>
-            <a:srgbClr val="FFFF00"/>
-          </a:solidFill>
         </p:spPr>
-        <p:style>
-          <a:lnRef idx="2">
-            <a:schemeClr val="accent1">
-              <a:shade val="50000"/>
-            </a:schemeClr>
-          </a:lnRef>
-          <a:fillRef idx="1">
-            <a:schemeClr val="accent1"/>
-          </a:fillRef>
-          <a:effectRef idx="0">
-            <a:schemeClr val="accent1"/>
-          </a:effectRef>
-          <a:fontRef idx="minor">
-            <a:schemeClr val="lt1"/>
-          </a:fontRef>
-        </p:style>
-        <p:txBody>
-          <a:bodyPr rtlCol="0" anchor="ctr"/>
-          <a:lstStyle/>
-          <a:p>
-            <a:pPr algn="ctr"/>
-            <a:r>
-              <a:rPr lang="ja-JP" altLang="en-US" sz="1050" dirty="0">
-                <a:solidFill>
-                  <a:schemeClr val="tx1"/>
-                </a:solidFill>
-                <a:latin typeface="Arial" panose="020B0604020202020204" pitchFamily="34" charset="0"/>
-                <a:cs typeface="Arial" panose="020B0604020202020204" pitchFamily="34" charset="0"/>
-              </a:rPr>
-              <a:t>Ｓｅａｌ　</a:t>
-            </a:r>
-            <a:endParaRPr lang="en-US" altLang="ja-JP" sz="1050" dirty="0">
-              <a:solidFill>
-                <a:schemeClr val="tx1"/>
-              </a:solidFill>
-              <a:latin typeface="Arial" panose="020B0604020202020204" pitchFamily="34" charset="0"/>
-              <a:cs typeface="Arial" panose="020B0604020202020204" pitchFamily="34" charset="0"/>
-            </a:endParaRPr>
-          </a:p>
-          <a:p>
-            <a:pPr algn="ctr"/>
-            <a:r>
-              <a:rPr lang="en-US" altLang="ja-JP" sz="1050" dirty="0">
-                <a:solidFill>
-                  <a:schemeClr val="tx1"/>
-                </a:solidFill>
-                <a:latin typeface="Arial" panose="020B0604020202020204" pitchFamily="34" charset="0"/>
-                <a:cs typeface="Arial" panose="020B0604020202020204" pitchFamily="34" charset="0"/>
-              </a:rPr>
-              <a:t>or </a:t>
-            </a:r>
-            <a:r>
-              <a:rPr lang="ja-JP" altLang="en-US" sz="1050" dirty="0">
-                <a:solidFill>
-                  <a:schemeClr val="tx1"/>
-                </a:solidFill>
-                <a:latin typeface="Arial" panose="020B0604020202020204" pitchFamily="34" charset="0"/>
-                <a:cs typeface="Arial" panose="020B0604020202020204" pitchFamily="34" charset="0"/>
-              </a:rPr>
-              <a:t>Ｓｉｇｎａｔｕｒｅ</a:t>
-            </a:r>
-            <a:endParaRPr kumimoji="1" lang="ja-JP" altLang="en-US" sz="1050" dirty="0">
-              <a:solidFill>
-                <a:schemeClr val="tx1"/>
-              </a:solidFill>
-              <a:latin typeface="Arial" panose="020B0604020202020204" pitchFamily="34" charset="0"/>
-              <a:cs typeface="Arial" panose="020B0604020202020204" pitchFamily="34" charset="0"/>
-            </a:endParaRPr>
-          </a:p>
-        </p:txBody>
-      </p:sp>
-      <p:sp>
-        <p:nvSpPr>
-          <p:cNvPr id="20" name="正方形/長方形 19"/>
-          <p:cNvSpPr/>
+      </p:pic>
+      <p:sp>
+        <p:nvSpPr>
+          <p:cNvPr id="25" name="テキスト ボックス 24">
+            <a:extLst>
+              <a:ext uri="{FF2B5EF4-FFF2-40B4-BE49-F238E27FC236}">
+                <a16:creationId xmlns:a16="http://schemas.microsoft.com/office/drawing/2014/main" id="{7C0E9BA1-6CB1-BF36-11CA-389144CF15CC}"/>
+              </a:ext>
+            </a:extLst>
+          </p:cNvPr>
+          <p:cNvSpPr txBox="1"/>
           <p:nvPr/>
         </p:nvSpPr>
         <p:spPr>
           <a:xfrm>
-            <a:off x="5016623" y="3580034"/>
-            <a:ext cx="4036726" cy="1915007"/>
+            <a:off x="6672808" y="11357889"/>
+            <a:ext cx="3498874" cy="1015663"/>
           </a:xfrm>
           <a:prstGeom prst="rect">
             <a:avLst/>
           </a:prstGeom>
           <a:noFill/>
-          <a:ln w="9525"/>
         </p:spPr>
-        <p:style>
-          <a:lnRef idx="2">
-            <a:schemeClr val="accent1">
-              <a:shade val="50000"/>
-            </a:schemeClr>
-          </a:lnRef>
-          <a:fillRef idx="1">
-            <a:schemeClr val="accent1"/>
-          </a:fillRef>
-          <a:effectRef idx="0">
-            <a:schemeClr val="accent1"/>
-          </a:effectRef>
-          <a:fontRef idx="minor">
-            <a:schemeClr val="lt1"/>
-          </a:fontRef>
-        </p:style>
-        <p:txBody>
-          <a:bodyPr rtlCol="0" anchor="ctr"/>
+        <p:txBody>
+          <a:bodyPr wrap="square" rtlCol="0">
+            <a:spAutoFit/>
+          </a:bodyPr>
           <a:lstStyle/>
           <a:p>
-            <a:pPr algn="ctr"/>
-            <a:endParaRPr kumimoji="1" lang="en-US" altLang="ja-JP" sz="1200" dirty="0">
-              <a:solidFill>
-                <a:schemeClr val="tx1"/>
-              </a:solidFill>
-              <a:latin typeface="Arial" panose="020B0604020202020204" pitchFamily="34" charset="0"/>
-              <a:cs typeface="Arial" panose="020B0604020202020204" pitchFamily="34" charset="0"/>
-            </a:endParaRPr>
-          </a:p>
-          <a:p>
-            <a:pPr algn="ctr"/>
-            <a:endParaRPr lang="en-US" altLang="ja-JP" sz="1200" dirty="0">
-              <a:solidFill>
-                <a:schemeClr val="tx1"/>
-              </a:solidFill>
-              <a:latin typeface="Arial" panose="020B0604020202020204" pitchFamily="34" charset="0"/>
-              <a:cs typeface="Arial" panose="020B0604020202020204" pitchFamily="34" charset="0"/>
-            </a:endParaRPr>
-          </a:p>
-          <a:p>
-            <a:pPr algn="ctr"/>
-            <a:endParaRPr kumimoji="1" lang="en-US" altLang="ja-JP" sz="1200" dirty="0">
-              <a:solidFill>
-                <a:schemeClr val="tx1"/>
-              </a:solidFill>
-              <a:latin typeface="Arial" panose="020B0604020202020204" pitchFamily="34" charset="0"/>
-              <a:cs typeface="Arial" panose="020B0604020202020204" pitchFamily="34" charset="0"/>
-            </a:endParaRPr>
-          </a:p>
-          <a:p>
-            <a:pPr algn="ctr"/>
-            <a:endParaRPr lang="en-US" altLang="ja-JP" sz="1200" dirty="0">
-              <a:solidFill>
-                <a:schemeClr val="tx1"/>
-              </a:solidFill>
-              <a:latin typeface="Arial" panose="020B0604020202020204" pitchFamily="34" charset="0"/>
-              <a:cs typeface="Arial" panose="020B0604020202020204" pitchFamily="34" charset="0"/>
-            </a:endParaRPr>
-          </a:p>
-          <a:p>
-            <a:pPr algn="ctr"/>
-            <a:endParaRPr kumimoji="1" lang="en-US" altLang="ja-JP" sz="1200" dirty="0">
-              <a:solidFill>
-                <a:schemeClr val="tx1"/>
-              </a:solidFill>
-              <a:latin typeface="Arial" panose="020B0604020202020204" pitchFamily="34" charset="0"/>
-              <a:cs typeface="Arial" panose="020B0604020202020204" pitchFamily="34" charset="0"/>
-            </a:endParaRPr>
-          </a:p>
-          <a:p>
-            <a:pPr algn="ctr"/>
-            <a:endParaRPr lang="en-US" altLang="ja-JP" sz="1200" dirty="0">
-              <a:solidFill>
-                <a:schemeClr val="tx1"/>
-              </a:solidFill>
-              <a:latin typeface="Arial" panose="020B0604020202020204" pitchFamily="34" charset="0"/>
-              <a:cs typeface="Arial" panose="020B0604020202020204" pitchFamily="34" charset="0"/>
-            </a:endParaRPr>
-          </a:p>
-          <a:p>
-            <a:pPr algn="ctr"/>
-            <a:endParaRPr kumimoji="1" lang="en-US" altLang="ja-JP" sz="1200" dirty="0">
-              <a:solidFill>
-                <a:schemeClr val="tx1"/>
-              </a:solidFill>
-              <a:latin typeface="Arial" panose="020B0604020202020204" pitchFamily="34" charset="0"/>
-              <a:cs typeface="Arial" panose="020B0604020202020204" pitchFamily="34" charset="0"/>
-            </a:endParaRPr>
-          </a:p>
-          <a:p>
-            <a:pPr algn="ctr"/>
-            <a:endParaRPr kumimoji="1" lang="en-US" altLang="ja-JP" sz="1200" dirty="0">
-              <a:solidFill>
-                <a:schemeClr val="tx1"/>
-              </a:solidFill>
-              <a:latin typeface="Arial" panose="020B0604020202020204" pitchFamily="34" charset="0"/>
-              <a:cs typeface="Arial" panose="020B0604020202020204" pitchFamily="34" charset="0"/>
-            </a:endParaRPr>
-          </a:p>
-          <a:p>
-            <a:pPr algn="ctr"/>
-            <a:r>
-              <a:rPr lang="en-US" altLang="ja-JP" sz="1600" dirty="0">
-                <a:solidFill>
-                  <a:schemeClr val="tx1"/>
-                </a:solidFill>
-                <a:latin typeface="Arial" panose="020B0604020202020204" pitchFamily="34" charset="0"/>
-                <a:cs typeface="Arial" panose="020B0604020202020204" pitchFamily="34" charset="0"/>
-              </a:rPr>
-              <a:t>Fig. 1. Example of a figure caption</a:t>
-            </a:r>
-          </a:p>
-        </p:txBody>
-      </p:sp>
-      <p:graphicFrame>
-        <p:nvGraphicFramePr>
-          <p:cNvPr id="11" name="表 10"/>
-          <p:cNvGraphicFramePr>
-            <a:graphicFrameLocks noGrp="1"/>
-          </p:cNvGraphicFramePr>
-          <p:nvPr>
-            <p:extLst>
-              <p:ext uri="{D42A27DB-BD31-4B8C-83A1-F6EECF244321}">
-                <p14:modId xmlns:p14="http://schemas.microsoft.com/office/powerpoint/2010/main" val="2328631913"/>
-              </p:ext>
-            </p:extLst>
-          </p:nvPr>
-        </p:nvGraphicFramePr>
-        <p:xfrm>
-          <a:off x="5378312" y="6096922"/>
-          <a:ext cx="3313347" cy="743946"/>
-        </p:xfrm>
-        <a:graphic>
-          <a:graphicData uri="http://schemas.openxmlformats.org/drawingml/2006/table">
-            <a:tbl>
-              <a:tblPr firstRow="1" bandRow="1">
-                <a:tableStyleId>{5940675A-B579-460E-94D1-54222C63F5DA}</a:tableStyleId>
-              </a:tblPr>
-              <a:tblGrid>
-                <a:gridCol w="958008">
-                  <a:extLst>
-                    <a:ext uri="{9D8B030D-6E8A-4147-A177-3AD203B41FA5}">
-                      <a16:colId xmlns:a16="http://schemas.microsoft.com/office/drawing/2014/main" val="4249681737"/>
-                    </a:ext>
-                  </a:extLst>
-                </a:gridCol>
-                <a:gridCol w="1152128">
-                  <a:extLst>
-                    <a:ext uri="{9D8B030D-6E8A-4147-A177-3AD203B41FA5}">
-                      <a16:colId xmlns:a16="http://schemas.microsoft.com/office/drawing/2014/main" val="339840370"/>
-                    </a:ext>
-                  </a:extLst>
-                </a:gridCol>
-                <a:gridCol w="1203211">
-                  <a:extLst>
-                    <a:ext uri="{9D8B030D-6E8A-4147-A177-3AD203B41FA5}">
-                      <a16:colId xmlns:a16="http://schemas.microsoft.com/office/drawing/2014/main" val="931929913"/>
-                    </a:ext>
-                  </a:extLst>
-                </a:gridCol>
-              </a:tblGrid>
-              <a:tr h="247982">
-                <a:tc>
-                  <a:txBody>
-                    <a:bodyPr/>
-                    <a:lstStyle/>
-                    <a:p>
-                      <a:pPr algn="ctr"/>
-                      <a:r>
-                        <a:rPr kumimoji="1" lang="en-US" altLang="ja-JP" sz="1300" dirty="0"/>
-                        <a:t>Condition</a:t>
-                      </a:r>
-                      <a:endParaRPr kumimoji="1" lang="ja-JP" altLang="en-US" sz="1300" dirty="0"/>
-                    </a:p>
-                  </a:txBody>
-                  <a:tcPr marL="47332" marR="47332" marT="23667" marB="23667">
-                    <a:lnL w="12700" cmpd="sng">
-                      <a:noFill/>
-                    </a:lnL>
-                    <a:lnB w="28575" cap="flat" cmpd="sng" algn="ctr">
-                      <a:solidFill>
-                        <a:schemeClr val="tx1"/>
-                      </a:solidFill>
-                      <a:prstDash val="solid"/>
-                      <a:round/>
-                      <a:headEnd type="none" w="med" len="med"/>
-                      <a:tailEnd type="none" w="med" len="med"/>
-                    </a:lnB>
-                  </a:tcPr>
-                </a:tc>
-                <a:tc>
-                  <a:txBody>
-                    <a:bodyPr/>
-                    <a:lstStyle/>
-                    <a:p>
-                      <a:pPr algn="ctr"/>
-                      <a:r>
-                        <a:rPr kumimoji="1" lang="en-US" altLang="ja-JP" sz="1300" dirty="0"/>
-                        <a:t>Algorithm</a:t>
-                      </a:r>
-                      <a:r>
-                        <a:rPr kumimoji="1" lang="en-US" altLang="ja-JP" sz="1300" baseline="0" dirty="0"/>
-                        <a:t> 1</a:t>
-                      </a:r>
-                      <a:endParaRPr kumimoji="1" lang="ja-JP" altLang="en-US" sz="1300" dirty="0"/>
-                    </a:p>
-                  </a:txBody>
-                  <a:tcPr marL="47332" marR="47332" marT="23667" marB="23667">
-                    <a:lnB w="28575" cap="flat" cmpd="sng" algn="ctr">
-                      <a:solidFill>
-                        <a:schemeClr val="tx1"/>
-                      </a:solidFill>
-                      <a:prstDash val="solid"/>
-                      <a:round/>
-                      <a:headEnd type="none" w="med" len="med"/>
-                      <a:tailEnd type="none" w="med" len="med"/>
-                    </a:lnB>
-                  </a:tcPr>
-                </a:tc>
-                <a:tc>
-                  <a:txBody>
-                    <a:bodyPr/>
-                    <a:lstStyle/>
-                    <a:p>
-                      <a:pPr algn="ctr"/>
-                      <a:r>
-                        <a:rPr kumimoji="1" lang="en-US" altLang="ja-JP" sz="1300" dirty="0"/>
-                        <a:t>Algorithm</a:t>
-                      </a:r>
-                      <a:r>
-                        <a:rPr kumimoji="1" lang="en-US" altLang="ja-JP" sz="1300" baseline="0" dirty="0"/>
-                        <a:t> 2</a:t>
-                      </a:r>
-                      <a:endParaRPr kumimoji="1" lang="ja-JP" altLang="en-US" sz="1300" dirty="0"/>
-                    </a:p>
-                  </a:txBody>
-                  <a:tcPr marL="47332" marR="47332" marT="23667" marB="23667">
-                    <a:lnR w="12700" cmpd="sng">
-                      <a:noFill/>
-                    </a:lnR>
-                    <a:lnB w="28575" cap="flat" cmpd="sng" algn="ctr">
-                      <a:solidFill>
-                        <a:schemeClr val="tx1"/>
-                      </a:solidFill>
-                      <a:prstDash val="solid"/>
-                      <a:round/>
-                      <a:headEnd type="none" w="med" len="med"/>
-                      <a:tailEnd type="none" w="med" len="med"/>
-                    </a:lnB>
-                  </a:tcPr>
-                </a:tc>
-                <a:extLst>
-                  <a:ext uri="{0D108BD9-81ED-4DB2-BD59-A6C34878D82A}">
-                    <a16:rowId xmlns:a16="http://schemas.microsoft.com/office/drawing/2014/main" val="3276859470"/>
-                  </a:ext>
-                </a:extLst>
-              </a:tr>
-              <a:tr h="247982">
-                <a:tc>
-                  <a:txBody>
-                    <a:bodyPr/>
-                    <a:lstStyle/>
-                    <a:p>
-                      <a:pPr algn="ctr"/>
-                      <a:r>
-                        <a:rPr kumimoji="1" lang="en-US" altLang="ja-JP" sz="1300" dirty="0"/>
-                        <a:t> </a:t>
-                      </a:r>
-                      <a:r>
-                        <a:rPr kumimoji="1" lang="en-US" altLang="ja-JP" sz="1300" baseline="0" dirty="0"/>
-                        <a:t>1</a:t>
-                      </a:r>
-                      <a:endParaRPr kumimoji="1" lang="en-US" altLang="ja-JP" sz="1300" dirty="0"/>
-                    </a:p>
-                  </a:txBody>
-                  <a:tcPr marL="47332" marR="47332" marT="23667" marB="23667">
-                    <a:lnL w="12700" cmpd="sng">
-                      <a:noFill/>
-                    </a:lnL>
-                    <a:lnT w="28575" cap="flat" cmpd="sng" algn="ctr">
-                      <a:solidFill>
-                        <a:schemeClr val="tx1"/>
-                      </a:solidFill>
-                      <a:prstDash val="solid"/>
-                      <a:round/>
-                      <a:headEnd type="none" w="med" len="med"/>
-                      <a:tailEnd type="none" w="med" len="med"/>
-                    </a:lnT>
-                  </a:tcPr>
-                </a:tc>
-                <a:tc>
-                  <a:txBody>
-                    <a:bodyPr/>
-                    <a:lstStyle/>
-                    <a:p>
-                      <a:pPr algn="ctr"/>
-                      <a:r>
-                        <a:rPr kumimoji="1" lang="en-US" altLang="ja-JP" sz="1300" dirty="0"/>
-                        <a:t>1.23</a:t>
-                      </a:r>
-                      <a:endParaRPr kumimoji="1" lang="ja-JP" altLang="en-US" sz="1300" dirty="0"/>
-                    </a:p>
-                  </a:txBody>
-                  <a:tcPr marL="47332" marR="47332" marT="23667" marB="23667">
-                    <a:lnT w="28575" cap="flat" cmpd="sng" algn="ctr">
-                      <a:solidFill>
-                        <a:schemeClr val="tx1"/>
-                      </a:solidFill>
-                      <a:prstDash val="solid"/>
-                      <a:round/>
-                      <a:headEnd type="none" w="med" len="med"/>
-                      <a:tailEnd type="none" w="med" len="med"/>
-                    </a:lnT>
-                  </a:tcPr>
-                </a:tc>
-                <a:tc>
-                  <a:txBody>
-                    <a:bodyPr/>
-                    <a:lstStyle/>
-                    <a:p>
-                      <a:pPr algn="ctr"/>
-                      <a:r>
-                        <a:rPr kumimoji="1" lang="en-US" altLang="ja-JP" sz="1300" dirty="0"/>
-                        <a:t>0.65</a:t>
-                      </a:r>
-                      <a:endParaRPr kumimoji="1" lang="ja-JP" altLang="en-US" sz="1300" dirty="0"/>
-                    </a:p>
-                  </a:txBody>
-                  <a:tcPr marL="47332" marR="47332" marT="23667" marB="23667">
-                    <a:lnR w="12700" cmpd="sng">
-                      <a:noFill/>
-                    </a:lnR>
-                    <a:lnT w="28575" cap="flat" cmpd="sng" algn="ctr">
-                      <a:solidFill>
-                        <a:schemeClr val="tx1"/>
-                      </a:solidFill>
-                      <a:prstDash val="solid"/>
-                      <a:round/>
-                      <a:headEnd type="none" w="med" len="med"/>
-                      <a:tailEnd type="none" w="med" len="med"/>
-                    </a:lnT>
-                  </a:tcPr>
-                </a:tc>
-                <a:extLst>
-                  <a:ext uri="{0D108BD9-81ED-4DB2-BD59-A6C34878D82A}">
-                    <a16:rowId xmlns:a16="http://schemas.microsoft.com/office/drawing/2014/main" val="1033579109"/>
-                  </a:ext>
-                </a:extLst>
-              </a:tr>
-              <a:tr h="247982">
-                <a:tc>
-                  <a:txBody>
-                    <a:bodyPr/>
-                    <a:lstStyle/>
-                    <a:p>
-                      <a:pPr algn="ctr"/>
-                      <a:r>
-                        <a:rPr kumimoji="1" lang="en-US" altLang="ja-JP" sz="1300" baseline="0" dirty="0"/>
-                        <a:t> 2</a:t>
-                      </a:r>
-                      <a:endParaRPr kumimoji="1" lang="ja-JP" altLang="en-US" sz="1300" dirty="0"/>
-                    </a:p>
-                  </a:txBody>
-                  <a:tcPr marL="47332" marR="47332" marT="23667" marB="23667">
-                    <a:lnL w="12700" cmpd="sng">
-                      <a:noFill/>
-                    </a:lnL>
-                  </a:tcPr>
-                </a:tc>
-                <a:tc>
-                  <a:txBody>
-                    <a:bodyPr/>
-                    <a:lstStyle/>
-                    <a:p>
-                      <a:pPr algn="ctr"/>
-                      <a:r>
-                        <a:rPr kumimoji="1" lang="en-US" altLang="ja-JP" sz="1300" dirty="0"/>
-                        <a:t>2.25</a:t>
-                      </a:r>
-                      <a:endParaRPr kumimoji="1" lang="ja-JP" altLang="en-US" sz="1300" dirty="0"/>
-                    </a:p>
-                  </a:txBody>
-                  <a:tcPr marL="47332" marR="47332" marT="23667" marB="23667"/>
-                </a:tc>
-                <a:tc>
-                  <a:txBody>
-                    <a:bodyPr/>
-                    <a:lstStyle/>
-                    <a:p>
-                      <a:pPr algn="ctr"/>
-                      <a:r>
-                        <a:rPr kumimoji="1" lang="en-US" altLang="ja-JP" sz="1300" dirty="0"/>
-                        <a:t>1.02</a:t>
-                      </a:r>
-                      <a:endParaRPr kumimoji="1" lang="ja-JP" altLang="en-US" sz="1300" dirty="0"/>
-                    </a:p>
-                  </a:txBody>
-                  <a:tcPr marL="47332" marR="47332" marT="23667" marB="23667">
-                    <a:lnR w="12700" cmpd="sng">
-                      <a:noFill/>
-                    </a:lnR>
-                  </a:tcPr>
-                </a:tc>
-                <a:extLst>
-                  <a:ext uri="{0D108BD9-81ED-4DB2-BD59-A6C34878D82A}">
-                    <a16:rowId xmlns:a16="http://schemas.microsoft.com/office/drawing/2014/main" val="1213403527"/>
-                  </a:ext>
-                </a:extLst>
-              </a:tr>
-            </a:tbl>
-          </a:graphicData>
-        </a:graphic>
-      </p:graphicFrame>
+            <a:r>
+              <a:rPr kumimoji="1" lang="ja-JP" altLang="en-US" sz="2000"/>
+              <a:t>月幅デカすぎ</a:t>
+            </a:r>
+            <a:endParaRPr kumimoji="1" lang="en-US" altLang="ja-JP" sz="2000" dirty="0"/>
+          </a:p>
+          <a:p>
+            <a:r>
+              <a:rPr lang="en-US" altLang="ja-JP" sz="2000" dirty="0"/>
+              <a:t>4</a:t>
+            </a:r>
+            <a:r>
+              <a:rPr lang="ja-JP" altLang="en-US" sz="2000"/>
+              <a:t>月からも入れておく</a:t>
+            </a:r>
+            <a:endParaRPr lang="en-US" altLang="ja-JP" sz="2000" dirty="0"/>
+          </a:p>
+          <a:p>
+            <a:r>
+              <a:rPr lang="ja-JP" altLang="en-US" sz="2000"/>
+              <a:t>締め切り入れておく　</a:t>
+            </a:r>
+            <a:endParaRPr lang="en-US" altLang="ja-JP" sz="2000" dirty="0"/>
+          </a:p>
+        </p:txBody>
+      </p:sp>
     </p:spTree>
     <p:extLst>
       <p:ext uri="{BB962C8B-B14F-4D97-AF65-F5344CB8AC3E}">
@@ -6614,4 +5609,299 @@
   <a:objectDefaults/>
   <a:extraClrSchemeLst/>
 </a:theme>
+</file>
+
+<file path=ppt/theme/theme2.xml><?xml version="1.0" encoding="utf-8"?>
+<a:theme xmlns:a="http://schemas.openxmlformats.org/drawingml/2006/main" name="Office テーマ">
+  <a:themeElements>
+    <a:clrScheme name="Office">
+      <a:dk1>
+        <a:sysClr val="windowText" lastClr="000000"/>
+      </a:dk1>
+      <a:lt1>
+        <a:sysClr val="window" lastClr="FFFFFF"/>
+      </a:lt1>
+      <a:dk2>
+        <a:srgbClr val="44546A"/>
+      </a:dk2>
+      <a:lt2>
+        <a:srgbClr val="E7E6E6"/>
+      </a:lt2>
+      <a:accent1>
+        <a:srgbClr val="4472C4"/>
+      </a:accent1>
+      <a:accent2>
+        <a:srgbClr val="ED7D31"/>
+      </a:accent2>
+      <a:accent3>
+        <a:srgbClr val="A5A5A5"/>
+      </a:accent3>
+      <a:accent4>
+        <a:srgbClr val="FFC000"/>
+      </a:accent4>
+      <a:accent5>
+        <a:srgbClr val="5B9BD5"/>
+      </a:accent5>
+      <a:accent6>
+        <a:srgbClr val="70AD47"/>
+      </a:accent6>
+      <a:hlink>
+        <a:srgbClr val="0563C1"/>
+      </a:hlink>
+      <a:folHlink>
+        <a:srgbClr val="954F72"/>
+      </a:folHlink>
+    </a:clrScheme>
+    <a:fontScheme name="Office">
+      <a:majorFont>
+        <a:latin typeface="游ゴシック Light" panose="020F0302020204030204"/>
+        <a:ea typeface=""/>
+        <a:cs typeface=""/>
+        <a:font script="Jpan" typeface="游ゴシック Light"/>
+        <a:font script="Hang" typeface="맑은 고딕"/>
+        <a:font script="Hans" typeface="等线 Light"/>
+        <a:font script="Hant" typeface="新細明體"/>
+        <a:font script="Arab" typeface="Times New Roman"/>
+        <a:font script="Hebr" typeface="Times New Roman"/>
+        <a:font script="Thai" typeface="Angsana New"/>
+        <a:font script="Ethi" typeface="Nyala"/>
+        <a:font script="Beng" typeface="Vrinda"/>
+        <a:font script="Gujr" typeface="Shruti"/>
+        <a:font script="Khmr" typeface="MoolBoran"/>
+        <a:font script="Knda" typeface="Tunga"/>
+        <a:font script="Guru" typeface="Raavi"/>
+        <a:font script="Cans" typeface="Euphemia"/>
+        <a:font script="Cher" typeface="Plantagenet Cherokee"/>
+        <a:font script="Yiii" typeface="Microsoft Yi Baiti"/>
+        <a:font script="Tibt" typeface="Microsoft Himalaya"/>
+        <a:font script="Thaa" typeface="MV Boli"/>
+        <a:font script="Deva" typeface="Mangal"/>
+        <a:font script="Telu" typeface="Gautami"/>
+        <a:font script="Taml" typeface="Latha"/>
+        <a:font script="Syrc" typeface="Estrangelo Edessa"/>
+        <a:font script="Orya" typeface="Kalinga"/>
+        <a:font script="Mlym" typeface="Kartika"/>
+        <a:font script="Laoo" typeface="DokChampa"/>
+        <a:font script="Sinh" typeface="Iskoola Pota"/>
+        <a:font script="Mong" typeface="Mongolian Baiti"/>
+        <a:font script="Viet" typeface="Times New Roman"/>
+        <a:font script="Uigh" typeface="Microsoft Uighur"/>
+        <a:font script="Geor" typeface="Sylfaen"/>
+        <a:font script="Armn" typeface="Arial"/>
+        <a:font script="Bugi" typeface="Leelawadee UI"/>
+        <a:font script="Bopo" typeface="Microsoft JhengHei"/>
+        <a:font script="Java" typeface="Javanese Text"/>
+        <a:font script="Lisu" typeface="Segoe UI"/>
+        <a:font script="Mymr" typeface="Myanmar Text"/>
+        <a:font script="Nkoo" typeface="Ebrima"/>
+        <a:font script="Olck" typeface="Nirmala UI"/>
+        <a:font script="Osma" typeface="Ebrima"/>
+        <a:font script="Phag" typeface="Phagspa"/>
+        <a:font script="Syrn" typeface="Estrangelo Edessa"/>
+        <a:font script="Syrj" typeface="Estrangelo Edessa"/>
+        <a:font script="Syre" typeface="Estrangelo Edessa"/>
+        <a:font script="Sora" typeface="Nirmala UI"/>
+        <a:font script="Tale" typeface="Microsoft Tai Le"/>
+        <a:font script="Talu" typeface="Microsoft New Tai Lue"/>
+        <a:font script="Tfng" typeface="Ebrima"/>
+      </a:majorFont>
+      <a:minorFont>
+        <a:latin typeface="游ゴシック" panose="020F0502020204030204"/>
+        <a:ea typeface=""/>
+        <a:cs typeface=""/>
+        <a:font script="Jpan" typeface="游ゴシック"/>
+        <a:font script="Hang" typeface="맑은 고딕"/>
+        <a:font script="Hans" typeface="等线"/>
+        <a:font script="Hant" typeface="新細明體"/>
+        <a:font script="Arab" typeface="Arial"/>
+        <a:font script="Hebr" typeface="Arial"/>
+        <a:font script="Thai" typeface="Cordia New"/>
+        <a:font script="Ethi" typeface="Nyala"/>
+        <a:font script="Beng" typeface="Vrinda"/>
+        <a:font script="Gujr" typeface="Shruti"/>
+        <a:font script="Khmr" typeface="DaunPenh"/>
+        <a:font script="Knda" typeface="Tunga"/>
+        <a:font script="Guru" typeface="Raavi"/>
+        <a:font script="Cans" typeface="Euphemia"/>
+        <a:font script="Cher" typeface="Plantagenet Cherokee"/>
+        <a:font script="Yiii" typeface="Microsoft Yi Baiti"/>
+        <a:font script="Tibt" typeface="Microsoft Himalaya"/>
+        <a:font script="Thaa" typeface="MV Boli"/>
+        <a:font script="Deva" typeface="Mangal"/>
+        <a:font script="Telu" typeface="Gautami"/>
+        <a:font script="Taml" typeface="Latha"/>
+        <a:font script="Syrc" typeface="Estrangelo Edessa"/>
+        <a:font script="Orya" typeface="Kalinga"/>
+        <a:font script="Mlym" typeface="Kartika"/>
+        <a:font script="Laoo" typeface="DokChampa"/>
+        <a:font script="Sinh" typeface="Iskoola Pota"/>
+        <a:font script="Mong" typeface="Mongolian Baiti"/>
+        <a:font script="Viet" typeface="Arial"/>
+        <a:font script="Uigh" typeface="Microsoft Uighur"/>
+        <a:font script="Geor" typeface="Sylfaen"/>
+        <a:font script="Armn" typeface="Arial"/>
+        <a:font script="Bugi" typeface="Leelawadee UI"/>
+        <a:font script="Bopo" typeface="Microsoft JhengHei"/>
+        <a:font script="Java" typeface="Javanese Text"/>
+        <a:font script="Lisu" typeface="Segoe UI"/>
+        <a:font script="Mymr" typeface="Myanmar Text"/>
+        <a:font script="Nkoo" typeface="Ebrima"/>
+        <a:font script="Olck" typeface="Nirmala UI"/>
+        <a:font script="Osma" typeface="Ebrima"/>
+        <a:font script="Phag" typeface="Phagspa"/>
+        <a:font script="Syrn" typeface="Estrangelo Edessa"/>
+        <a:font script="Syrj" typeface="Estrangelo Edessa"/>
+        <a:font script="Syre" typeface="Estrangelo Edessa"/>
+        <a:font script="Sora" typeface="Nirmala UI"/>
+        <a:font script="Tale" typeface="Microsoft Tai Le"/>
+        <a:font script="Talu" typeface="Microsoft New Tai Lue"/>
+        <a:font script="Tfng" typeface="Ebrima"/>
+      </a:minorFont>
+    </a:fontScheme>
+    <a:fmtScheme name="Office">
+      <a:fillStyleLst>
+        <a:solidFill>
+          <a:schemeClr val="phClr"/>
+        </a:solidFill>
+        <a:gradFill rotWithShape="1">
+          <a:gsLst>
+            <a:gs pos="0">
+              <a:schemeClr val="phClr">
+                <a:lumMod val="110000"/>
+                <a:satMod val="105000"/>
+                <a:tint val="67000"/>
+              </a:schemeClr>
+            </a:gs>
+            <a:gs pos="50000">
+              <a:schemeClr val="phClr">
+                <a:lumMod val="105000"/>
+                <a:satMod val="103000"/>
+                <a:tint val="73000"/>
+              </a:schemeClr>
+            </a:gs>
+            <a:gs pos="100000">
+              <a:schemeClr val="phClr">
+                <a:lumMod val="105000"/>
+                <a:satMod val="109000"/>
+                <a:tint val="81000"/>
+              </a:schemeClr>
+            </a:gs>
+          </a:gsLst>
+          <a:lin ang="5400000" scaled="0"/>
+        </a:gradFill>
+        <a:gradFill rotWithShape="1">
+          <a:gsLst>
+            <a:gs pos="0">
+              <a:schemeClr val="phClr">
+                <a:satMod val="103000"/>
+                <a:lumMod val="102000"/>
+                <a:tint val="94000"/>
+              </a:schemeClr>
+            </a:gs>
+            <a:gs pos="50000">
+              <a:schemeClr val="phClr">
+                <a:satMod val="110000"/>
+                <a:lumMod val="100000"/>
+                <a:shade val="100000"/>
+              </a:schemeClr>
+            </a:gs>
+            <a:gs pos="100000">
+              <a:schemeClr val="phClr">
+                <a:lumMod val="99000"/>
+                <a:satMod val="120000"/>
+                <a:shade val="78000"/>
+              </a:schemeClr>
+            </a:gs>
+          </a:gsLst>
+          <a:lin ang="5400000" scaled="0"/>
+        </a:gradFill>
+      </a:fillStyleLst>
+      <a:lnStyleLst>
+        <a:ln w="6350" cap="flat" cmpd="sng" algn="ctr">
+          <a:solidFill>
+            <a:schemeClr val="phClr"/>
+          </a:solidFill>
+          <a:prstDash val="solid"/>
+          <a:miter lim="800000"/>
+        </a:ln>
+        <a:ln w="12700" cap="flat" cmpd="sng" algn="ctr">
+          <a:solidFill>
+            <a:schemeClr val="phClr"/>
+          </a:solidFill>
+          <a:prstDash val="solid"/>
+          <a:miter lim="800000"/>
+        </a:ln>
+        <a:ln w="19050" cap="flat" cmpd="sng" algn="ctr">
+          <a:solidFill>
+            <a:schemeClr val="phClr"/>
+          </a:solidFill>
+          <a:prstDash val="solid"/>
+          <a:miter lim="800000"/>
+        </a:ln>
+      </a:lnStyleLst>
+      <a:effectStyleLst>
+        <a:effectStyle>
+          <a:effectLst/>
+        </a:effectStyle>
+        <a:effectStyle>
+          <a:effectLst/>
+        </a:effectStyle>
+        <a:effectStyle>
+          <a:effectLst>
+            <a:outerShdw blurRad="57150" dist="19050" dir="5400000" algn="ctr" rotWithShape="0">
+              <a:srgbClr val="000000">
+                <a:alpha val="63000"/>
+              </a:srgbClr>
+            </a:outerShdw>
+          </a:effectLst>
+        </a:effectStyle>
+      </a:effectStyleLst>
+      <a:bgFillStyleLst>
+        <a:solidFill>
+          <a:schemeClr val="phClr"/>
+        </a:solidFill>
+        <a:solidFill>
+          <a:schemeClr val="phClr">
+            <a:tint val="95000"/>
+            <a:satMod val="170000"/>
+          </a:schemeClr>
+        </a:solidFill>
+        <a:gradFill rotWithShape="1">
+          <a:gsLst>
+            <a:gs pos="0">
+              <a:schemeClr val="phClr">
+                <a:tint val="93000"/>
+                <a:satMod val="150000"/>
+                <a:shade val="98000"/>
+                <a:lumMod val="102000"/>
+              </a:schemeClr>
+            </a:gs>
+            <a:gs pos="50000">
+              <a:schemeClr val="phClr">
+                <a:tint val="98000"/>
+                <a:satMod val="130000"/>
+                <a:shade val="90000"/>
+                <a:lumMod val="103000"/>
+              </a:schemeClr>
+            </a:gs>
+            <a:gs pos="100000">
+              <a:schemeClr val="phClr">
+                <a:shade val="63000"/>
+                <a:satMod val="120000"/>
+              </a:schemeClr>
+            </a:gs>
+          </a:gsLst>
+          <a:lin ang="5400000" scaled="0"/>
+        </a:gradFill>
+      </a:bgFillStyleLst>
+    </a:fmtScheme>
+  </a:themeElements>
+  <a:objectDefaults/>
+  <a:extraClrSchemeLst/>
+  <a:extLst>
+    <a:ext uri="{05A4C25C-085E-4340-85A3-A5531E510DB2}">
+      <thm15:themeFamily xmlns:thm15="http://schemas.microsoft.com/office/thememl/2012/main" name="Office Theme" id="{62F939B6-93AF-4DB8-9C6B-D6C7DFDC589F}" vid="{4A3C46E8-61CC-4603-A589-7422A47A8E4A}"/>
+    </a:ext>
+  </a:extLst>
+</a:theme>
 </file>
--- a/mid_poster/mid_poster.pptx
+++ b/mid_poster/mid_poster.pptx
@@ -208,7 +208,7 @@
           <a:p>
             <a:fld id="{00A2018F-E2A8-ED4D-A348-3E0EECE98219}" type="datetimeFigureOut">
               <a:rPr kumimoji="1" lang="ja-JP" altLang="en-US" smtClean="0"/>
-              <a:t>2022/10/7</a:t>
+              <a:t>2022/10/14</a:t>
             </a:fld>
             <a:endParaRPr kumimoji="1" lang="ja-JP" altLang="en-US"/>
           </a:p>
@@ -785,7 +785,7 @@
           <a:p>
             <a:fld id="{41C63ABA-7AD4-414B-BAC9-9FD2A004AC76}" type="datetimeFigureOut">
               <a:rPr kumimoji="1" lang="ja-JP" altLang="en-US" smtClean="0"/>
-              <a:t>2022/10/7</a:t>
+              <a:t>2022/10/14</a:t>
             </a:fld>
             <a:endParaRPr kumimoji="1" lang="ja-JP" altLang="en-US" dirty="0"/>
           </a:p>
@@ -985,7 +985,7 @@
           <a:p>
             <a:fld id="{41C63ABA-7AD4-414B-BAC9-9FD2A004AC76}" type="datetimeFigureOut">
               <a:rPr kumimoji="1" lang="ja-JP" altLang="en-US" smtClean="0"/>
-              <a:t>2022/10/7</a:t>
+              <a:t>2022/10/14</a:t>
             </a:fld>
             <a:endParaRPr kumimoji="1" lang="ja-JP" altLang="en-US" dirty="0"/>
           </a:p>
@@ -1195,7 +1195,7 @@
           <a:p>
             <a:fld id="{41C63ABA-7AD4-414B-BAC9-9FD2A004AC76}" type="datetimeFigureOut">
               <a:rPr kumimoji="1" lang="ja-JP" altLang="en-US" smtClean="0"/>
-              <a:t>2022/10/7</a:t>
+              <a:t>2022/10/14</a:t>
             </a:fld>
             <a:endParaRPr kumimoji="1" lang="ja-JP" altLang="en-US" dirty="0"/>
           </a:p>
@@ -1395,7 +1395,7 @@
           <a:p>
             <a:fld id="{41C63ABA-7AD4-414B-BAC9-9FD2A004AC76}" type="datetimeFigureOut">
               <a:rPr kumimoji="1" lang="ja-JP" altLang="en-US" smtClean="0"/>
-              <a:t>2022/10/7</a:t>
+              <a:t>2022/10/14</a:t>
             </a:fld>
             <a:endParaRPr kumimoji="1" lang="ja-JP" altLang="en-US" dirty="0"/>
           </a:p>
@@ -1640,7 +1640,7 @@
           <a:p>
             <a:fld id="{41C63ABA-7AD4-414B-BAC9-9FD2A004AC76}" type="datetimeFigureOut">
               <a:rPr kumimoji="1" lang="ja-JP" altLang="en-US" smtClean="0"/>
-              <a:t>2022/10/7</a:t>
+              <a:t>2022/10/14</a:t>
             </a:fld>
             <a:endParaRPr kumimoji="1" lang="ja-JP" altLang="en-US" dirty="0"/>
           </a:p>
@@ -1989,7 +1989,7 @@
           <a:p>
             <a:fld id="{41C63ABA-7AD4-414B-BAC9-9FD2A004AC76}" type="datetimeFigureOut">
               <a:rPr kumimoji="1" lang="ja-JP" altLang="en-US" smtClean="0"/>
-              <a:t>2022/10/7</a:t>
+              <a:t>2022/10/14</a:t>
             </a:fld>
             <a:endParaRPr kumimoji="1" lang="ja-JP" altLang="en-US" dirty="0"/>
           </a:p>
@@ -2477,7 +2477,7 @@
           <a:p>
             <a:fld id="{41C63ABA-7AD4-414B-BAC9-9FD2A004AC76}" type="datetimeFigureOut">
               <a:rPr kumimoji="1" lang="ja-JP" altLang="en-US" smtClean="0"/>
-              <a:t>2022/10/7</a:t>
+              <a:t>2022/10/14</a:t>
             </a:fld>
             <a:endParaRPr kumimoji="1" lang="ja-JP" altLang="en-US" dirty="0"/>
           </a:p>
@@ -2594,7 +2594,7 @@
           <a:p>
             <a:fld id="{41C63ABA-7AD4-414B-BAC9-9FD2A004AC76}" type="datetimeFigureOut">
               <a:rPr kumimoji="1" lang="ja-JP" altLang="en-US" smtClean="0"/>
-              <a:t>2022/10/7</a:t>
+              <a:t>2022/10/14</a:t>
             </a:fld>
             <a:endParaRPr kumimoji="1" lang="ja-JP" altLang="en-US" dirty="0"/>
           </a:p>
@@ -2689,7 +2689,7 @@
           <a:p>
             <a:fld id="{41C63ABA-7AD4-414B-BAC9-9FD2A004AC76}" type="datetimeFigureOut">
               <a:rPr kumimoji="1" lang="ja-JP" altLang="en-US" smtClean="0"/>
-              <a:t>2022/10/7</a:t>
+              <a:t>2022/10/14</a:t>
             </a:fld>
             <a:endParaRPr kumimoji="1" lang="ja-JP" altLang="en-US" dirty="0"/>
           </a:p>
@@ -2996,7 +2996,7 @@
           <a:p>
             <a:fld id="{41C63ABA-7AD4-414B-BAC9-9FD2A004AC76}" type="datetimeFigureOut">
               <a:rPr kumimoji="1" lang="ja-JP" altLang="en-US" smtClean="0"/>
-              <a:t>2022/10/7</a:t>
+              <a:t>2022/10/14</a:t>
             </a:fld>
             <a:endParaRPr kumimoji="1" lang="ja-JP" altLang="en-US" dirty="0"/>
           </a:p>
@@ -3248,7 +3248,7 @@
           <a:p>
             <a:fld id="{41C63ABA-7AD4-414B-BAC9-9FD2A004AC76}" type="datetimeFigureOut">
               <a:rPr kumimoji="1" lang="ja-JP" altLang="en-US" smtClean="0"/>
-              <a:t>2022/10/7</a:t>
+              <a:t>2022/10/14</a:t>
             </a:fld>
             <a:endParaRPr kumimoji="1" lang="ja-JP" altLang="en-US" dirty="0"/>
           </a:p>
@@ -3491,7 +3491,7 @@
           <a:p>
             <a:fld id="{41C63ABA-7AD4-414B-BAC9-9FD2A004AC76}" type="datetimeFigureOut">
               <a:rPr kumimoji="1" lang="ja-JP" altLang="en-US" smtClean="0"/>
-              <a:t>2022/10/7</a:t>
+              <a:t>2022/10/14</a:t>
             </a:fld>
             <a:endParaRPr kumimoji="1" lang="ja-JP" altLang="en-US" dirty="0"/>
           </a:p>
@@ -4215,7 +4215,7 @@
         <p:spPr>
           <a:xfrm>
             <a:off x="336104" y="2050345"/>
-            <a:ext cx="3837438" cy="4278094"/>
+            <a:ext cx="3837438" cy="4031873"/>
           </a:xfrm>
           <a:prstGeom prst="rect">
             <a:avLst/>
@@ -4259,7 +4259,7 @@
                 <a:latin typeface="Arial" panose="020B0604020202020204" pitchFamily="34" charset="0"/>
                 <a:cs typeface="Arial" panose="020B0604020202020204" pitchFamily="34" charset="0"/>
               </a:rPr>
-              <a:t>は、デジタル画像モデルと組み合わせて、月面探査機着陸地点の選定や地形・地質の研究に幅広く使われている</a:t>
+              <a:t>は、月探査の計画や地形・地質の研究に幅広く使われている</a:t>
             </a:r>
             <a:r>
               <a:rPr kumimoji="1" lang="en-US" altLang="ja-JP" sz="1600" dirty="0">
@@ -4294,7 +4294,14 @@
                 <a:latin typeface="Arial" panose="020B0604020202020204" pitchFamily="34" charset="0"/>
                 <a:cs typeface="Arial" panose="020B0604020202020204" pitchFamily="34" charset="0"/>
               </a:rPr>
-              <a:t>画像分解能が高いほど、詳細な地形を把握できる。しかし、</a:t>
+              <a:t>画像分解能が高いほど、詳細な地形を把握</a:t>
+            </a:r>
+            <a:r>
+              <a:rPr lang="ja-JP" altLang="en-US" sz="1600">
+                <a:latin typeface="Arial" panose="020B0604020202020204" pitchFamily="34" charset="0"/>
+                <a:cs typeface="Arial" panose="020B0604020202020204" pitchFamily="34" charset="0"/>
+              </a:rPr>
+              <a:t>することができる。しかし、</a:t>
             </a:r>
             <a:r>
               <a:rPr kumimoji="1" lang="en-US" altLang="ja-JP" sz="1600" dirty="0">
@@ -4336,7 +4343,7 @@
                 <a:latin typeface="Arial" panose="020B0604020202020204" pitchFamily="34" charset="0"/>
                 <a:cs typeface="Arial" panose="020B0604020202020204" pitchFamily="34" charset="0"/>
               </a:rPr>
-              <a:t>である</a:t>
+              <a:t>をもつ</a:t>
             </a:r>
             <a:r>
               <a:rPr kumimoji="1" lang="en-US" altLang="ja-JP" sz="1600" dirty="0">
@@ -4364,7 +4371,7 @@
                 <a:latin typeface="Arial" panose="020B0604020202020204" pitchFamily="34" charset="0"/>
                 <a:cs typeface="Arial" panose="020B0604020202020204" pitchFamily="34" charset="0"/>
               </a:rPr>
-              <a:t>500</a:t>
+              <a:t>460</a:t>
             </a:r>
             <a:r>
               <a:rPr lang="ja-JP" altLang="en-US" sz="1600">
@@ -5157,7 +5164,7 @@
         <p:spPr>
           <a:xfrm>
             <a:off x="5160640" y="11357889"/>
-            <a:ext cx="4440560" cy="861774"/>
+            <a:ext cx="4440560" cy="2585323"/>
           </a:xfrm>
           <a:prstGeom prst="rect">
             <a:avLst/>
@@ -5174,17 +5181,49 @@
                 <a:latin typeface="Arial" panose="020B0604020202020204" pitchFamily="34" charset="0"/>
                 <a:cs typeface="Arial" panose="020B0604020202020204" pitchFamily="34" charset="0"/>
               </a:rPr>
-              <a:t>[1]</a:t>
-            </a:r>
-          </a:p>
-          <a:p>
+              <a:t>[1] Barker, M. K., et al., A new lunar digital elevation model from the Lunar Orbiter Laser Altimeter and SELENE Terrain Camera, 2016. </a:t>
+            </a:r>
+            <a:r>
+              <a:rPr lang="en-US" altLang="ja-JP" sz="1600" dirty="0" err="1">
+                <a:latin typeface="Arial" panose="020B0604020202020204" pitchFamily="34" charset="0"/>
+                <a:cs typeface="Arial" panose="020B0604020202020204" pitchFamily="34" charset="0"/>
+              </a:rPr>
+              <a:t>doi</a:t>
+            </a:r>
             <a:r>
               <a:rPr lang="en-US" altLang="ja-JP" sz="1600" dirty="0">
                 <a:latin typeface="Arial" panose="020B0604020202020204" pitchFamily="34" charset="0"/>
                 <a:cs typeface="Arial" panose="020B0604020202020204" pitchFamily="34" charset="0"/>
               </a:rPr>
-              <a:t>[2]</a:t>
-            </a:r>
+              <a:t>: </a:t>
+            </a:r>
+            <a:r>
+              <a:rPr lang="en-US" altLang="ja-JP" sz="1600" dirty="0">
+                <a:latin typeface="Arial" panose="020B0604020202020204" pitchFamily="34" charset="0"/>
+                <a:cs typeface="Arial" panose="020B0604020202020204" pitchFamily="34" charset="0"/>
+                <a:hlinkClick r:id="rId3"/>
+              </a:rPr>
+              <a:t>10.1016/j.icarus.2015.07.039</a:t>
+            </a:r>
+            <a:endParaRPr lang="en-US" altLang="ja-JP" sz="1600" dirty="0">
+              <a:latin typeface="Arial" panose="020B0604020202020204" pitchFamily="34" charset="0"/>
+              <a:cs typeface="Arial" panose="020B0604020202020204" pitchFamily="34" charset="0"/>
+            </a:endParaRPr>
+          </a:p>
+          <a:p>
+            <a:r>
+              <a:rPr lang="en-US" altLang="ja-JP" sz="1600" dirty="0">
+                <a:latin typeface="Arial" panose="020B0604020202020204" pitchFamily="34" charset="0"/>
+                <a:cs typeface="Arial" panose="020B0604020202020204" pitchFamily="34" charset="0"/>
+              </a:rPr>
+              <a:t>[2]Onodera, K., et al., Resolution enhancement of DEM of the lunar surface using machine learning, 2020. doi:10.20637/JAXA-RR-19-006/0003</a:t>
+            </a:r>
+          </a:p>
+          <a:p>
+            <a:endParaRPr lang="en-US" altLang="ja-JP" sz="1600" dirty="0">
+              <a:latin typeface="Arial" panose="020B0604020202020204" pitchFamily="34" charset="0"/>
+              <a:cs typeface="Arial" panose="020B0604020202020204" pitchFamily="34" charset="0"/>
+            </a:endParaRPr>
           </a:p>
           <a:p>
             <a:endParaRPr lang="en-US" altLang="ja-JP" sz="1800" dirty="0">
@@ -5244,7 +5283,7 @@
           <p:nvPr/>
         </p:nvPicPr>
         <p:blipFill>
-          <a:blip r:embed="rId3"/>
+          <a:blip r:embed="rId4"/>
           <a:stretch>
             <a:fillRect/>
           </a:stretch>
@@ -5273,7 +5312,7 @@
         </p:nvSpPr>
         <p:spPr>
           <a:xfrm>
-            <a:off x="6672808" y="11357889"/>
+            <a:off x="9437596" y="10275772"/>
             <a:ext cx="3498874" cy="1015663"/>
           </a:xfrm>
           <a:prstGeom prst="rect">
